--- a/picture/ppt/memory_modle.pptx
+++ b/picture/ppt/memory_modle.pptx
@@ -5,15 +5,16 @@
     <p:sldMasterId id="2147483648" r:id="rId1"/>
   </p:sldMasterIdLst>
   <p:notesMasterIdLst>
-    <p:notesMasterId r:id="rId6"/>
+    <p:notesMasterId r:id="rId7"/>
   </p:notesMasterIdLst>
   <p:handoutMasterIdLst>
-    <p:handoutMasterId r:id="rId7"/>
+    <p:handoutMasterId r:id="rId8"/>
   </p:handoutMasterIdLst>
   <p:sldIdLst>
     <p:sldId id="256" r:id="rId3"/>
     <p:sldId id="258" r:id="rId4"/>
     <p:sldId id="259" r:id="rId5"/>
+    <p:sldId id="260" r:id="rId6"/>
   </p:sldIdLst>
   <p:sldSz cx="12192000" cy="6858000"/>
   <p:notesSz cx="7103745" cy="10234295"/>
@@ -3501,29 +3502,28 @@
           <a:prstGeom prst="rect">
             <a:avLst/>
           </a:prstGeom>
-          <a:solidFill>
-            <a:srgbClr val="282C34"/>
-          </a:solidFill>
-          <a:ln>
-            <a:solidFill>
-              <a:srgbClr val="3EAF7C"/>
-            </a:solidFill>
-          </a:ln>
+          <a:extLst>
+            <a:ext uri="{909E8E84-426E-40DD-AFC4-6F175D3DCCD1}">
+              <a14:hiddenFill xmlns:a14="http://schemas.microsoft.com/office/drawing/2010/main">
+                <a:solidFill>
+                  <a:srgbClr val="282C34"/>
+                </a:solidFill>
+              </a14:hiddenFill>
+            </a:ext>
+          </a:extLst>
         </p:spPr>
         <p:style>
           <a:lnRef idx="2">
-            <a:schemeClr val="accent1">
-              <a:shade val="50000"/>
-            </a:schemeClr>
+            <a:schemeClr val="dk1"/>
           </a:lnRef>
           <a:fillRef idx="1">
-            <a:schemeClr val="accent1"/>
+            <a:schemeClr val="lt1"/>
           </a:fillRef>
           <a:effectRef idx="0">
-            <a:schemeClr val="accent1"/>
+            <a:schemeClr val="dk1"/>
           </a:effectRef>
           <a:fontRef idx="minor">
-            <a:schemeClr val="lt1"/>
+            <a:schemeClr val="dk1"/>
           </a:fontRef>
         </p:style>
         <p:txBody>
@@ -3548,36 +3548,35 @@
           <a:prstGeom prst="rect">
             <a:avLst/>
           </a:prstGeom>
-          <a:solidFill>
-            <a:srgbClr val="282C34"/>
-          </a:solidFill>
-          <a:ln>
-            <a:solidFill>
-              <a:srgbClr val="3EAF7C"/>
-            </a:solidFill>
-          </a:ln>
+          <a:extLst>
+            <a:ext uri="{909E8E84-426E-40DD-AFC4-6F175D3DCCD1}">
+              <a14:hiddenFill xmlns:a14="http://schemas.microsoft.com/office/drawing/2010/main">
+                <a:solidFill>
+                  <a:srgbClr val="282C34"/>
+                </a:solidFill>
+              </a14:hiddenFill>
+            </a:ext>
+          </a:extLst>
         </p:spPr>
         <p:style>
           <a:lnRef idx="2">
-            <a:schemeClr val="accent1">
-              <a:shade val="50000"/>
-            </a:schemeClr>
+            <a:schemeClr val="dk1"/>
           </a:lnRef>
           <a:fillRef idx="1">
-            <a:schemeClr val="accent1"/>
+            <a:schemeClr val="lt1"/>
           </a:fillRef>
           <a:effectRef idx="0">
-            <a:schemeClr val="accent1"/>
+            <a:schemeClr val="dk1"/>
           </a:effectRef>
           <a:fontRef idx="minor">
-            <a:schemeClr val="lt1"/>
+            <a:schemeClr val="dk1"/>
           </a:fontRef>
         </p:style>
         <p:txBody>
           <a:bodyPr rtlCol="0" anchor="ctr"/>
           <a:p>
             <a:pPr algn="ctr"/>
-            <a:endParaRPr lang="" altLang="en-US">
+            <a:endParaRPr lang="en-US" altLang="en-US">
               <a:solidFill>
                 <a:srgbClr val="3EAF7C"/>
               </a:solidFill>
@@ -3607,14 +3606,14 @@
           </a:bodyPr>
           <a:p>
             <a:r>
-              <a:rPr lang="" altLang="en-US">
+              <a:rPr lang="en-US" altLang="en-US">
                 <a:solidFill>
                   <a:srgbClr val="3EAF7C"/>
                 </a:solidFill>
               </a:rPr>
               <a:t>物理内存</a:t>
             </a:r>
-            <a:endParaRPr lang="" altLang="en-US">
+            <a:endParaRPr lang="en-US" altLang="en-US">
               <a:solidFill>
                 <a:srgbClr val="3EAF7C"/>
               </a:solidFill>
@@ -3710,14 +3709,14 @@
           </a:bodyPr>
           <a:p>
             <a:r>
-              <a:rPr lang="" altLang="en-US">
+              <a:rPr lang="en-US" altLang="en-US">
                 <a:solidFill>
                   <a:srgbClr val="2C3E50"/>
                 </a:solidFill>
               </a:rPr>
               <a:t>min addr</a:t>
             </a:r>
-            <a:endParaRPr lang="" altLang="en-US">
+            <a:endParaRPr lang="en-US" altLang="en-US">
               <a:solidFill>
                 <a:srgbClr val="2C3E50"/>
               </a:solidFill>
@@ -3747,14 +3746,14 @@
           </a:bodyPr>
           <a:p>
             <a:r>
-              <a:rPr lang="" altLang="en-US">
+              <a:rPr lang="en-US" altLang="en-US">
                 <a:solidFill>
                   <a:srgbClr val="2C3E50"/>
                 </a:solidFill>
               </a:rPr>
               <a:t>max addr</a:t>
             </a:r>
-            <a:endParaRPr lang="" altLang="en-US">
+            <a:endParaRPr lang="en-US" altLang="en-US">
               <a:solidFill>
                 <a:srgbClr val="2C3E50"/>
               </a:solidFill>
@@ -3779,21 +3778,28 @@
           <a:solidFill>
             <a:srgbClr val="3EAF7C"/>
           </a:solidFill>
+          <a:extLst>
+            <a:ext uri="{909E8E84-426E-40DD-AFC4-6F175D3DCCD1}">
+              <a14:hiddenFill xmlns:a14="http://schemas.microsoft.com/office/drawing/2010/main">
+                <a:solidFill>
+                  <a:srgbClr val="3EAF7C"/>
+                </a:solidFill>
+              </a14:hiddenFill>
+            </a:ext>
+          </a:extLst>
         </p:spPr>
         <p:style>
           <a:lnRef idx="2">
-            <a:schemeClr val="accent1">
-              <a:shade val="50000"/>
-            </a:schemeClr>
+            <a:schemeClr val="dk1"/>
           </a:lnRef>
           <a:fillRef idx="1">
-            <a:schemeClr val="accent1"/>
+            <a:schemeClr val="lt1"/>
           </a:fillRef>
           <a:effectRef idx="0">
-            <a:schemeClr val="accent1"/>
+            <a:schemeClr val="dk1"/>
           </a:effectRef>
           <a:fontRef idx="minor">
-            <a:schemeClr val="lt1"/>
+            <a:schemeClr val="dk1"/>
           </a:fontRef>
         </p:style>
         <p:txBody>
@@ -3801,10 +3807,10 @@
           <a:p>
             <a:pPr algn="ctr"/>
             <a:r>
-              <a:rPr lang="" altLang="en-US"/>
+              <a:rPr lang="en-US" altLang="en-US"/>
               <a:t>holes</a:t>
             </a:r>
-            <a:endParaRPr lang="" altLang="en-US"/>
+            <a:endParaRPr lang="en-US" altLang="en-US"/>
           </a:p>
         </p:txBody>
       </p:sp>
@@ -3822,29 +3828,28 @@
           <a:prstGeom prst="rect">
             <a:avLst/>
           </a:prstGeom>
-          <a:solidFill>
-            <a:srgbClr val="282C34"/>
-          </a:solidFill>
-          <a:ln>
-            <a:solidFill>
-              <a:srgbClr val="3EAF7C"/>
-            </a:solidFill>
-          </a:ln>
+          <a:extLst>
+            <a:ext uri="{909E8E84-426E-40DD-AFC4-6F175D3DCCD1}">
+              <a14:hiddenFill xmlns:a14="http://schemas.microsoft.com/office/drawing/2010/main">
+                <a:solidFill>
+                  <a:srgbClr val="282C34"/>
+                </a:solidFill>
+              </a14:hiddenFill>
+            </a:ext>
+          </a:extLst>
         </p:spPr>
         <p:style>
           <a:lnRef idx="2">
-            <a:schemeClr val="accent1">
-              <a:shade val="50000"/>
-            </a:schemeClr>
+            <a:schemeClr val="dk1"/>
           </a:lnRef>
           <a:fillRef idx="1">
-            <a:schemeClr val="accent1"/>
+            <a:schemeClr val="lt1"/>
           </a:fillRef>
           <a:effectRef idx="0">
-            <a:schemeClr val="accent1"/>
+            <a:schemeClr val="dk1"/>
           </a:effectRef>
           <a:fontRef idx="minor">
-            <a:schemeClr val="lt1"/>
+            <a:schemeClr val="dk1"/>
           </a:fontRef>
         </p:style>
         <p:txBody>
@@ -3869,29 +3874,28 @@
           <a:prstGeom prst="rect">
             <a:avLst/>
           </a:prstGeom>
-          <a:solidFill>
-            <a:srgbClr val="282C34"/>
-          </a:solidFill>
-          <a:ln>
-            <a:solidFill>
-              <a:srgbClr val="3EAF7C"/>
-            </a:solidFill>
-          </a:ln>
+          <a:extLst>
+            <a:ext uri="{909E8E84-426E-40DD-AFC4-6F175D3DCCD1}">
+              <a14:hiddenFill xmlns:a14="http://schemas.microsoft.com/office/drawing/2010/main">
+                <a:solidFill>
+                  <a:srgbClr val="282C34"/>
+                </a:solidFill>
+              </a14:hiddenFill>
+            </a:ext>
+          </a:extLst>
         </p:spPr>
         <p:style>
           <a:lnRef idx="2">
-            <a:schemeClr val="accent1">
-              <a:shade val="50000"/>
-            </a:schemeClr>
+            <a:schemeClr val="dk1"/>
           </a:lnRef>
           <a:fillRef idx="1">
-            <a:schemeClr val="accent1"/>
+            <a:schemeClr val="lt1"/>
           </a:fillRef>
           <a:effectRef idx="0">
-            <a:schemeClr val="accent1"/>
+            <a:schemeClr val="dk1"/>
           </a:effectRef>
           <a:fontRef idx="minor">
-            <a:schemeClr val="lt1"/>
+            <a:schemeClr val="dk1"/>
           </a:fontRef>
         </p:style>
         <p:txBody>
@@ -3916,29 +3920,28 @@
           <a:prstGeom prst="rect">
             <a:avLst/>
           </a:prstGeom>
-          <a:solidFill>
-            <a:srgbClr val="282C34"/>
-          </a:solidFill>
-          <a:ln>
-            <a:solidFill>
-              <a:srgbClr val="3EAF7C"/>
-            </a:solidFill>
-          </a:ln>
+          <a:extLst>
+            <a:ext uri="{909E8E84-426E-40DD-AFC4-6F175D3DCCD1}">
+              <a14:hiddenFill xmlns:a14="http://schemas.microsoft.com/office/drawing/2010/main">
+                <a:solidFill>
+                  <a:srgbClr val="282C34"/>
+                </a:solidFill>
+              </a14:hiddenFill>
+            </a:ext>
+          </a:extLst>
         </p:spPr>
         <p:style>
           <a:lnRef idx="2">
-            <a:schemeClr val="accent1">
-              <a:shade val="50000"/>
-            </a:schemeClr>
+            <a:schemeClr val="dk1"/>
           </a:lnRef>
           <a:fillRef idx="1">
-            <a:schemeClr val="accent1"/>
+            <a:schemeClr val="lt1"/>
           </a:fillRef>
           <a:effectRef idx="0">
-            <a:schemeClr val="accent1"/>
+            <a:schemeClr val="dk1"/>
           </a:effectRef>
           <a:fontRef idx="minor">
-            <a:schemeClr val="lt1"/>
+            <a:schemeClr val="dk1"/>
           </a:fontRef>
         </p:style>
         <p:txBody>
@@ -3963,29 +3966,28 @@
           <a:prstGeom prst="rect">
             <a:avLst/>
           </a:prstGeom>
-          <a:solidFill>
-            <a:srgbClr val="282C34"/>
-          </a:solidFill>
-          <a:ln>
-            <a:solidFill>
-              <a:srgbClr val="3EAF7C"/>
-            </a:solidFill>
-          </a:ln>
+          <a:extLst>
+            <a:ext uri="{909E8E84-426E-40DD-AFC4-6F175D3DCCD1}">
+              <a14:hiddenFill xmlns:a14="http://schemas.microsoft.com/office/drawing/2010/main">
+                <a:solidFill>
+                  <a:srgbClr val="282C34"/>
+                </a:solidFill>
+              </a14:hiddenFill>
+            </a:ext>
+          </a:extLst>
         </p:spPr>
         <p:style>
           <a:lnRef idx="2">
-            <a:schemeClr val="accent1">
-              <a:shade val="50000"/>
-            </a:schemeClr>
+            <a:schemeClr val="dk1"/>
           </a:lnRef>
           <a:fillRef idx="1">
-            <a:schemeClr val="accent1"/>
+            <a:schemeClr val="lt1"/>
           </a:fillRef>
           <a:effectRef idx="0">
-            <a:schemeClr val="accent1"/>
+            <a:schemeClr val="dk1"/>
           </a:effectRef>
           <a:fontRef idx="minor">
-            <a:schemeClr val="lt1"/>
+            <a:schemeClr val="dk1"/>
           </a:fontRef>
         </p:style>
         <p:txBody>
@@ -4010,29 +4012,28 @@
           <a:prstGeom prst="rect">
             <a:avLst/>
           </a:prstGeom>
-          <a:solidFill>
-            <a:srgbClr val="282C34"/>
-          </a:solidFill>
-          <a:ln>
-            <a:solidFill>
-              <a:srgbClr val="3EAF7C"/>
-            </a:solidFill>
-          </a:ln>
+          <a:extLst>
+            <a:ext uri="{909E8E84-426E-40DD-AFC4-6F175D3DCCD1}">
+              <a14:hiddenFill xmlns:a14="http://schemas.microsoft.com/office/drawing/2010/main">
+                <a:solidFill>
+                  <a:srgbClr val="282C34"/>
+                </a:solidFill>
+              </a14:hiddenFill>
+            </a:ext>
+          </a:extLst>
         </p:spPr>
         <p:style>
           <a:lnRef idx="2">
-            <a:schemeClr val="accent1">
-              <a:shade val="50000"/>
-            </a:schemeClr>
+            <a:schemeClr val="dk1"/>
           </a:lnRef>
           <a:fillRef idx="1">
-            <a:schemeClr val="accent1"/>
+            <a:schemeClr val="lt1"/>
           </a:fillRef>
           <a:effectRef idx="0">
-            <a:schemeClr val="accent1"/>
+            <a:schemeClr val="dk1"/>
           </a:effectRef>
           <a:fontRef idx="minor">
-            <a:schemeClr val="lt1"/>
+            <a:schemeClr val="dk1"/>
           </a:fontRef>
         </p:style>
         <p:txBody>
@@ -4057,29 +4058,28 @@
           <a:prstGeom prst="rect">
             <a:avLst/>
           </a:prstGeom>
-          <a:solidFill>
-            <a:srgbClr val="282C34"/>
-          </a:solidFill>
-          <a:ln>
-            <a:solidFill>
-              <a:srgbClr val="3EAF7C"/>
-            </a:solidFill>
-          </a:ln>
+          <a:extLst>
+            <a:ext uri="{909E8E84-426E-40DD-AFC4-6F175D3DCCD1}">
+              <a14:hiddenFill xmlns:a14="http://schemas.microsoft.com/office/drawing/2010/main">
+                <a:solidFill>
+                  <a:srgbClr val="282C34"/>
+                </a:solidFill>
+              </a14:hiddenFill>
+            </a:ext>
+          </a:extLst>
         </p:spPr>
         <p:style>
           <a:lnRef idx="2">
-            <a:schemeClr val="accent1">
-              <a:shade val="50000"/>
-            </a:schemeClr>
+            <a:schemeClr val="dk1"/>
           </a:lnRef>
           <a:fillRef idx="1">
-            <a:schemeClr val="accent1"/>
+            <a:schemeClr val="lt1"/>
           </a:fillRef>
           <a:effectRef idx="0">
-            <a:schemeClr val="accent1"/>
+            <a:schemeClr val="dk1"/>
           </a:effectRef>
           <a:fontRef idx="minor">
-            <a:schemeClr val="lt1"/>
+            <a:schemeClr val="dk1"/>
           </a:fontRef>
         </p:style>
         <p:txBody>
@@ -4104,29 +4104,28 @@
           <a:prstGeom prst="rect">
             <a:avLst/>
           </a:prstGeom>
-          <a:solidFill>
-            <a:srgbClr val="282C34"/>
-          </a:solidFill>
-          <a:ln>
-            <a:solidFill>
-              <a:srgbClr val="3EAF7C"/>
-            </a:solidFill>
-          </a:ln>
+          <a:extLst>
+            <a:ext uri="{909E8E84-426E-40DD-AFC4-6F175D3DCCD1}">
+              <a14:hiddenFill xmlns:a14="http://schemas.microsoft.com/office/drawing/2010/main">
+                <a:solidFill>
+                  <a:srgbClr val="282C34"/>
+                </a:solidFill>
+              </a14:hiddenFill>
+            </a:ext>
+          </a:extLst>
         </p:spPr>
         <p:style>
           <a:lnRef idx="2">
-            <a:schemeClr val="accent1">
-              <a:shade val="50000"/>
-            </a:schemeClr>
+            <a:schemeClr val="dk1"/>
           </a:lnRef>
           <a:fillRef idx="1">
-            <a:schemeClr val="accent1"/>
+            <a:schemeClr val="lt1"/>
           </a:fillRef>
           <a:effectRef idx="0">
-            <a:schemeClr val="accent1"/>
+            <a:schemeClr val="dk1"/>
           </a:effectRef>
           <a:fontRef idx="minor">
-            <a:schemeClr val="lt1"/>
+            <a:schemeClr val="dk1"/>
           </a:fontRef>
         </p:style>
         <p:txBody>
@@ -4151,29 +4150,28 @@
           <a:prstGeom prst="rect">
             <a:avLst/>
           </a:prstGeom>
-          <a:solidFill>
-            <a:srgbClr val="282C34"/>
-          </a:solidFill>
-          <a:ln>
-            <a:solidFill>
-              <a:srgbClr val="3EAF7C"/>
-            </a:solidFill>
-          </a:ln>
+          <a:extLst>
+            <a:ext uri="{909E8E84-426E-40DD-AFC4-6F175D3DCCD1}">
+              <a14:hiddenFill xmlns:a14="http://schemas.microsoft.com/office/drawing/2010/main">
+                <a:solidFill>
+                  <a:srgbClr val="282C34"/>
+                </a:solidFill>
+              </a14:hiddenFill>
+            </a:ext>
+          </a:extLst>
         </p:spPr>
         <p:style>
           <a:lnRef idx="2">
-            <a:schemeClr val="accent1">
-              <a:shade val="50000"/>
-            </a:schemeClr>
+            <a:schemeClr val="dk1"/>
           </a:lnRef>
           <a:fillRef idx="1">
-            <a:schemeClr val="accent1"/>
+            <a:schemeClr val="lt1"/>
           </a:fillRef>
           <a:effectRef idx="0">
-            <a:schemeClr val="accent1"/>
+            <a:schemeClr val="dk1"/>
           </a:effectRef>
           <a:fontRef idx="minor">
-            <a:schemeClr val="lt1"/>
+            <a:schemeClr val="dk1"/>
           </a:fontRef>
         </p:style>
         <p:txBody>
@@ -4207,197 +4205,12 @@
           <a:p>
             <a:pPr algn="l"/>
             <a:r>
-              <a:rPr lang="" altLang="en-US">
+              <a:rPr lang="en-US" altLang="en-US">
                 <a:solidFill>
                   <a:srgbClr val="3EAF7C"/>
                 </a:solidFill>
               </a:rPr>
               <a:t>struct page *mem_map;</a:t>
-            </a:r>
-            <a:endParaRPr lang="" altLang="en-US">
-              <a:solidFill>
-                <a:srgbClr val="3EAF7C"/>
-              </a:solidFill>
-            </a:endParaRPr>
-          </a:p>
-        </p:txBody>
-      </p:sp>
-      <p:sp>
-        <p:nvSpPr>
-          <p:cNvPr id="23" name="Rectangle 22"/>
-          <p:cNvSpPr/>
-          <p:nvPr/>
-        </p:nvSpPr>
-        <p:spPr>
-          <a:xfrm>
-            <a:off x="6445885" y="2403475"/>
-            <a:ext cx="1134110" cy="2327910"/>
-          </a:xfrm>
-          <a:prstGeom prst="rect">
-            <a:avLst/>
-          </a:prstGeom>
-          <a:solidFill>
-            <a:srgbClr val="282C34"/>
-          </a:solidFill>
-          <a:ln>
-            <a:solidFill>
-              <a:srgbClr val="3EAF7C"/>
-            </a:solidFill>
-          </a:ln>
-        </p:spPr>
-        <p:style>
-          <a:lnRef idx="2">
-            <a:schemeClr val="accent1">
-              <a:shade val="50000"/>
-            </a:schemeClr>
-          </a:lnRef>
-          <a:fillRef idx="1">
-            <a:schemeClr val="accent1"/>
-          </a:fillRef>
-          <a:effectRef idx="0">
-            <a:schemeClr val="accent1"/>
-          </a:effectRef>
-          <a:fontRef idx="minor">
-            <a:schemeClr val="lt1"/>
-          </a:fontRef>
-        </p:style>
-        <p:txBody>
-          <a:bodyPr rtlCol="0" anchor="ctr"/>
-          <a:p>
-            <a:pPr algn="ctr"/>
-            <a:endParaRPr lang="en-US">
-              <a:solidFill>
-                <a:srgbClr val="3EAF7C"/>
-              </a:solidFill>
-            </a:endParaRPr>
-          </a:p>
-        </p:txBody>
-      </p:sp>
-      <p:sp>
-        <p:nvSpPr>
-          <p:cNvPr id="24" name="Rectangle 23"/>
-          <p:cNvSpPr/>
-          <p:nvPr/>
-        </p:nvSpPr>
-        <p:spPr>
-          <a:xfrm>
-            <a:off x="6456045" y="2403475"/>
-            <a:ext cx="1113790" cy="312420"/>
-          </a:xfrm>
-          <a:prstGeom prst="rect">
-            <a:avLst/>
-          </a:prstGeom>
-          <a:solidFill>
-            <a:srgbClr val="282C34"/>
-          </a:solidFill>
-          <a:ln>
-            <a:solidFill>
-              <a:srgbClr val="3EAF7C"/>
-            </a:solidFill>
-          </a:ln>
-        </p:spPr>
-        <p:style>
-          <a:lnRef idx="2">
-            <a:schemeClr val="accent1">
-              <a:shade val="50000"/>
-            </a:schemeClr>
-          </a:lnRef>
-          <a:fillRef idx="1">
-            <a:schemeClr val="accent1"/>
-          </a:fillRef>
-          <a:effectRef idx="0">
-            <a:schemeClr val="accent1"/>
-          </a:effectRef>
-          <a:fontRef idx="minor">
-            <a:schemeClr val="lt1"/>
-          </a:fontRef>
-        </p:style>
-        <p:txBody>
-          <a:bodyPr rtlCol="0" anchor="ctr"/>
-          <a:p>
-            <a:pPr algn="ctr"/>
-            <a:r>
-              <a:rPr lang="" altLang="en-US">
-                <a:solidFill>
-                  <a:srgbClr val="3EAF7C"/>
-                </a:solidFill>
-              </a:rPr>
-              <a:t>page[n]</a:t>
-            </a:r>
-            <a:endParaRPr lang="" altLang="en-US">
-              <a:solidFill>
-                <a:srgbClr val="3EAF7C"/>
-              </a:solidFill>
-            </a:endParaRPr>
-          </a:p>
-        </p:txBody>
-      </p:sp>
-      <p:sp>
-        <p:nvSpPr>
-          <p:cNvPr id="25" name="Rectangle 24"/>
-          <p:cNvSpPr/>
-          <p:nvPr/>
-        </p:nvSpPr>
-        <p:spPr>
-          <a:xfrm>
-            <a:off x="6455410" y="4418965"/>
-            <a:ext cx="1113790" cy="312420"/>
-          </a:xfrm>
-          <a:prstGeom prst="rect">
-            <a:avLst/>
-          </a:prstGeom>
-          <a:solidFill>
-            <a:srgbClr val="282C34"/>
-          </a:solidFill>
-          <a:ln>
-            <a:solidFill>
-              <a:srgbClr val="3EAF7C"/>
-            </a:solidFill>
-          </a:ln>
-        </p:spPr>
-        <p:style>
-          <a:lnRef idx="2">
-            <a:schemeClr val="accent1">
-              <a:shade val="50000"/>
-            </a:schemeClr>
-          </a:lnRef>
-          <a:fillRef idx="1">
-            <a:schemeClr val="accent1"/>
-          </a:fillRef>
-          <a:effectRef idx="0">
-            <a:schemeClr val="accent1"/>
-          </a:effectRef>
-          <a:fontRef idx="minor">
-            <a:schemeClr val="lt1"/>
-          </a:fontRef>
-        </p:style>
-        <p:txBody>
-          <a:bodyPr rtlCol="0" anchor="ctr"/>
-          <a:p>
-            <a:pPr algn="ctr"/>
-            <a:r>
-              <a:rPr lang="en-US" altLang="en-US">
-                <a:solidFill>
-                  <a:srgbClr val="3EAF7C"/>
-                </a:solidFill>
-              </a:rPr>
-              <a:t>page[</a:t>
-            </a:r>
-            <a:r>
-              <a:rPr lang="" altLang="en-US">
-                <a:solidFill>
-                  <a:srgbClr val="3EAF7C"/>
-                </a:solidFill>
-              </a:rPr>
-              <a:t>0</a:t>
-            </a:r>
-            <a:r>
-              <a:rPr lang="en-US" altLang="en-US">
-                <a:solidFill>
-                  <a:srgbClr val="3EAF7C"/>
-                </a:solidFill>
-              </a:rPr>
-              <a:t>]</a:t>
             </a:r>
             <a:endParaRPr lang="en-US" altLang="en-US">
               <a:solidFill>
@@ -4409,6 +4222,172 @@
       </p:sp>
       <p:sp>
         <p:nvSpPr>
+          <p:cNvPr id="23" name="Rectangle 22"/>
+          <p:cNvSpPr/>
+          <p:nvPr/>
+        </p:nvSpPr>
+        <p:spPr>
+          <a:xfrm>
+            <a:off x="6445885" y="2403475"/>
+            <a:ext cx="1134110" cy="2327910"/>
+          </a:xfrm>
+          <a:prstGeom prst="rect">
+            <a:avLst/>
+          </a:prstGeom>
+          <a:extLst>
+            <a:ext uri="{909E8E84-426E-40DD-AFC4-6F175D3DCCD1}">
+              <a14:hiddenFill xmlns:a14="http://schemas.microsoft.com/office/drawing/2010/main">
+                <a:solidFill>
+                  <a:srgbClr val="282C34"/>
+                </a:solidFill>
+              </a14:hiddenFill>
+            </a:ext>
+          </a:extLst>
+        </p:spPr>
+        <p:style>
+          <a:lnRef idx="2">
+            <a:schemeClr val="dk1"/>
+          </a:lnRef>
+          <a:fillRef idx="1">
+            <a:schemeClr val="lt1"/>
+          </a:fillRef>
+          <a:effectRef idx="0">
+            <a:schemeClr val="dk1"/>
+          </a:effectRef>
+          <a:fontRef idx="minor">
+            <a:schemeClr val="dk1"/>
+          </a:fontRef>
+        </p:style>
+        <p:txBody>
+          <a:bodyPr rtlCol="0" anchor="ctr"/>
+          <a:p>
+            <a:pPr algn="ctr"/>
+            <a:endParaRPr lang="en-US">
+              <a:solidFill>
+                <a:schemeClr val="tx1"/>
+              </a:solidFill>
+            </a:endParaRPr>
+          </a:p>
+        </p:txBody>
+      </p:sp>
+      <p:sp>
+        <p:nvSpPr>
+          <p:cNvPr id="24" name="Rectangle 23"/>
+          <p:cNvSpPr/>
+          <p:nvPr/>
+        </p:nvSpPr>
+        <p:spPr>
+          <a:xfrm>
+            <a:off x="6456045" y="2403475"/>
+            <a:ext cx="1113790" cy="312420"/>
+          </a:xfrm>
+          <a:prstGeom prst="rect">
+            <a:avLst/>
+          </a:prstGeom>
+          <a:extLst>
+            <a:ext uri="{909E8E84-426E-40DD-AFC4-6F175D3DCCD1}">
+              <a14:hiddenFill xmlns:a14="http://schemas.microsoft.com/office/drawing/2010/main">
+                <a:solidFill>
+                  <a:srgbClr val="282C34"/>
+                </a:solidFill>
+              </a14:hiddenFill>
+            </a:ext>
+          </a:extLst>
+        </p:spPr>
+        <p:style>
+          <a:lnRef idx="2">
+            <a:schemeClr val="dk1"/>
+          </a:lnRef>
+          <a:fillRef idx="1">
+            <a:schemeClr val="lt1"/>
+          </a:fillRef>
+          <a:effectRef idx="0">
+            <a:schemeClr val="dk1"/>
+          </a:effectRef>
+          <a:fontRef idx="minor">
+            <a:schemeClr val="dk1"/>
+          </a:fontRef>
+        </p:style>
+        <p:txBody>
+          <a:bodyPr rtlCol="0" anchor="ctr"/>
+          <a:p>
+            <a:pPr algn="ctr"/>
+            <a:r>
+              <a:rPr lang="en-US" altLang="en-US">
+                <a:solidFill>
+                  <a:schemeClr val="tx1"/>
+                </a:solidFill>
+              </a:rPr>
+              <a:t>page[n]</a:t>
+            </a:r>
+            <a:endParaRPr lang="en-US" altLang="en-US">
+              <a:solidFill>
+                <a:schemeClr val="tx1"/>
+              </a:solidFill>
+            </a:endParaRPr>
+          </a:p>
+        </p:txBody>
+      </p:sp>
+      <p:sp>
+        <p:nvSpPr>
+          <p:cNvPr id="25" name="Rectangle 24"/>
+          <p:cNvSpPr/>
+          <p:nvPr/>
+        </p:nvSpPr>
+        <p:spPr>
+          <a:xfrm>
+            <a:off x="6455410" y="4418965"/>
+            <a:ext cx="1113790" cy="312420"/>
+          </a:xfrm>
+          <a:prstGeom prst="rect">
+            <a:avLst/>
+          </a:prstGeom>
+          <a:extLst>
+            <a:ext uri="{909E8E84-426E-40DD-AFC4-6F175D3DCCD1}">
+              <a14:hiddenFill xmlns:a14="http://schemas.microsoft.com/office/drawing/2010/main">
+                <a:solidFill>
+                  <a:srgbClr val="282C34"/>
+                </a:solidFill>
+              </a14:hiddenFill>
+            </a:ext>
+          </a:extLst>
+        </p:spPr>
+        <p:style>
+          <a:lnRef idx="2">
+            <a:schemeClr val="dk1"/>
+          </a:lnRef>
+          <a:fillRef idx="1">
+            <a:schemeClr val="lt1"/>
+          </a:fillRef>
+          <a:effectRef idx="0">
+            <a:schemeClr val="dk1"/>
+          </a:effectRef>
+          <a:fontRef idx="minor">
+            <a:schemeClr val="dk1"/>
+          </a:fontRef>
+        </p:style>
+        <p:txBody>
+          <a:bodyPr rtlCol="0" anchor="ctr"/>
+          <a:p>
+            <a:pPr algn="ctr"/>
+            <a:r>
+              <a:rPr lang="en-US" altLang="en-US">
+                <a:solidFill>
+                  <a:schemeClr val="tx1"/>
+                </a:solidFill>
+              </a:rPr>
+              <a:t>page[0]</a:t>
+            </a:r>
+            <a:endParaRPr lang="en-US" altLang="en-US">
+              <a:solidFill>
+                <a:schemeClr val="tx1"/>
+              </a:solidFill>
+            </a:endParaRPr>
+          </a:p>
+        </p:txBody>
+      </p:sp>
+      <p:sp>
+        <p:nvSpPr>
           <p:cNvPr id="26" name="Rectangle 25"/>
           <p:cNvSpPr/>
           <p:nvPr/>
@@ -4421,29 +4400,28 @@
           <a:prstGeom prst="rect">
             <a:avLst/>
           </a:prstGeom>
-          <a:solidFill>
-            <a:srgbClr val="282C34"/>
-          </a:solidFill>
-          <a:ln>
-            <a:solidFill>
-              <a:srgbClr val="3EAF7C"/>
-            </a:solidFill>
-          </a:ln>
+          <a:extLst>
+            <a:ext uri="{909E8E84-426E-40DD-AFC4-6F175D3DCCD1}">
+              <a14:hiddenFill xmlns:a14="http://schemas.microsoft.com/office/drawing/2010/main">
+                <a:solidFill>
+                  <a:srgbClr val="282C34"/>
+                </a:solidFill>
+              </a14:hiddenFill>
+            </a:ext>
+          </a:extLst>
         </p:spPr>
         <p:style>
           <a:lnRef idx="2">
-            <a:schemeClr val="accent1">
-              <a:shade val="50000"/>
-            </a:schemeClr>
+            <a:schemeClr val="dk1"/>
           </a:lnRef>
           <a:fillRef idx="1">
-            <a:schemeClr val="accent1"/>
+            <a:schemeClr val="lt1"/>
           </a:fillRef>
           <a:effectRef idx="0">
-            <a:schemeClr val="accent1"/>
+            <a:schemeClr val="dk1"/>
           </a:effectRef>
           <a:fontRef idx="minor">
-            <a:schemeClr val="lt1"/>
+            <a:schemeClr val="dk1"/>
           </a:fontRef>
         </p:style>
         <p:txBody>
@@ -4453,30 +4431,14 @@
             <a:r>
               <a:rPr lang="en-US" altLang="en-US">
                 <a:solidFill>
-                  <a:srgbClr val="3EAF7C"/>
+                  <a:schemeClr val="tx1"/>
                 </a:solidFill>
               </a:rPr>
-              <a:t>page[</a:t>
-            </a:r>
-            <a:r>
-              <a:rPr lang="" altLang="en-US">
-                <a:solidFill>
-                  <a:srgbClr val="3EAF7C"/>
-                </a:solidFill>
-              </a:rPr>
-              <a:t>1</a:t>
-            </a:r>
-            <a:r>
-              <a:rPr lang="en-US" altLang="en-US">
-                <a:solidFill>
-                  <a:srgbClr val="3EAF7C"/>
-                </a:solidFill>
-              </a:rPr>
-              <a:t>]</a:t>
+              <a:t>page[1]</a:t>
             </a:r>
             <a:endParaRPr lang="en-US" altLang="en-US">
               <a:solidFill>
-                <a:srgbClr val="3EAF7C"/>
+                <a:schemeClr val="tx1"/>
               </a:solidFill>
             </a:endParaRPr>
           </a:p>
@@ -4615,29 +4577,28 @@
           <a:prstGeom prst="rect">
             <a:avLst/>
           </a:prstGeom>
-          <a:solidFill>
-            <a:srgbClr val="282C34"/>
-          </a:solidFill>
-          <a:ln>
-            <a:solidFill>
-              <a:srgbClr val="3EAF7C"/>
-            </a:solidFill>
-          </a:ln>
+          <a:extLst>
+            <a:ext uri="{909E8E84-426E-40DD-AFC4-6F175D3DCCD1}">
+              <a14:hiddenFill xmlns:a14="http://schemas.microsoft.com/office/drawing/2010/main">
+                <a:solidFill>
+                  <a:srgbClr val="282C34"/>
+                </a:solidFill>
+              </a14:hiddenFill>
+            </a:ext>
+          </a:extLst>
         </p:spPr>
         <p:style>
           <a:lnRef idx="2">
-            <a:schemeClr val="accent1">
-              <a:shade val="50000"/>
-            </a:schemeClr>
+            <a:schemeClr val="dk1"/>
           </a:lnRef>
           <a:fillRef idx="1">
-            <a:schemeClr val="accent1"/>
+            <a:schemeClr val="lt1"/>
           </a:fillRef>
           <a:effectRef idx="0">
-            <a:schemeClr val="accent1"/>
+            <a:schemeClr val="dk1"/>
           </a:effectRef>
           <a:fontRef idx="minor">
-            <a:schemeClr val="lt1"/>
+            <a:schemeClr val="dk1"/>
           </a:fontRef>
         </p:style>
         <p:txBody>
@@ -4647,30 +4608,14 @@
             <a:r>
               <a:rPr lang="en-US" altLang="en-US">
                 <a:solidFill>
-                  <a:srgbClr val="3EAF7C"/>
+                  <a:schemeClr val="tx1"/>
                 </a:solidFill>
               </a:rPr>
-              <a:t>page[</a:t>
-            </a:r>
-            <a:r>
-              <a:rPr lang="" altLang="en-US">
-                <a:solidFill>
-                  <a:srgbClr val="3EAF7C"/>
-                </a:solidFill>
-              </a:rPr>
-              <a:t>x</a:t>
-            </a:r>
-            <a:r>
-              <a:rPr lang="en-US" altLang="en-US">
-                <a:solidFill>
-                  <a:srgbClr val="3EAF7C"/>
-                </a:solidFill>
-              </a:rPr>
-              <a:t>]</a:t>
+              <a:t>page[x]</a:t>
             </a:r>
             <a:endParaRPr lang="en-US" altLang="en-US">
               <a:solidFill>
-                <a:srgbClr val="3EAF7C"/>
+                <a:schemeClr val="tx1"/>
               </a:solidFill>
             </a:endParaRPr>
           </a:p>
@@ -4756,11 +4701,11 @@
             <a:avLst/>
           </a:prstGeom>
           <a:solidFill>
-            <a:srgbClr val="282C34"/>
+            <a:srgbClr val="3EAF7C"/>
           </a:solidFill>
           <a:ln>
             <a:solidFill>
-              <a:srgbClr val="3EAF7C"/>
+              <a:srgbClr val="2C3E50"/>
             </a:solidFill>
           </a:ln>
         </p:spPr>
@@ -4787,14 +4732,14 @@
             <a:r>
               <a:rPr lang="en-US" altLang="en-US">
                 <a:solidFill>
-                  <a:srgbClr val="3EAF7C"/>
+                  <a:schemeClr val="tx1"/>
                 </a:solidFill>
               </a:rPr>
               <a:t>Node#0</a:t>
             </a:r>
             <a:endParaRPr lang="en-US" altLang="en-US">
               <a:solidFill>
-                <a:srgbClr val="3EAF7C"/>
+                <a:schemeClr val="tx1"/>
               </a:solidFill>
             </a:endParaRPr>
           </a:p>
@@ -4995,14 +4940,21 @@
           <a:prstGeom prst="rect">
             <a:avLst/>
           </a:prstGeom>
-          <a:solidFill>
-            <a:srgbClr val="282C34"/>
-          </a:solidFill>
+          <a:noFill/>
           <a:ln>
             <a:solidFill>
-              <a:srgbClr val="3EAF7C"/>
+              <a:srgbClr val="2C3E50"/>
             </a:solidFill>
           </a:ln>
+          <a:extLst>
+            <a:ext uri="{909E8E84-426E-40DD-AFC4-6F175D3DCCD1}">
+              <a14:hiddenFill xmlns:a14="http://schemas.microsoft.com/office/drawing/2010/main">
+                <a:solidFill>
+                  <a:srgbClr val="282C34"/>
+                </a:solidFill>
+              </a14:hiddenFill>
+            </a:ext>
+          </a:extLst>
         </p:spPr>
         <p:style>
           <a:lnRef idx="2">
@@ -5026,7 +4978,7 @@
             <a:pPr algn="ctr"/>
             <a:endParaRPr lang="en-US" altLang="en-US">
               <a:solidFill>
-                <a:srgbClr val="3EAF7C"/>
+                <a:schemeClr val="tx1"/>
               </a:solidFill>
             </a:endParaRPr>
           </a:p>
@@ -5047,11 +4999,11 @@
             <a:avLst/>
           </a:prstGeom>
           <a:solidFill>
-            <a:srgbClr val="282C34"/>
+            <a:srgbClr val="3EAF7C"/>
           </a:solidFill>
           <a:ln>
             <a:solidFill>
-              <a:srgbClr val="3EAF7C"/>
+              <a:srgbClr val="2C3E50"/>
             </a:solidFill>
           </a:ln>
         </p:spPr>
@@ -5078,22 +5030,14 @@
             <a:r>
               <a:rPr lang="en-US" altLang="en-US">
                 <a:solidFill>
-                  <a:srgbClr val="3EAF7C"/>
+                  <a:schemeClr val="tx1"/>
                 </a:solidFill>
               </a:rPr>
-              <a:t>Node#</a:t>
-            </a:r>
-            <a:r>
-              <a:rPr lang="" altLang="en-US">
-                <a:solidFill>
-                  <a:srgbClr val="3EAF7C"/>
-                </a:solidFill>
-              </a:rPr>
-              <a:t>1</a:t>
-            </a:r>
-            <a:endParaRPr lang="" altLang="en-US">
+              <a:t>Node#1</a:t>
+            </a:r>
+            <a:endParaRPr lang="en-US" altLang="en-US">
               <a:solidFill>
-                <a:srgbClr val="3EAF7C"/>
+                <a:schemeClr val="tx1"/>
               </a:solidFill>
             </a:endParaRPr>
           </a:p>
@@ -5253,14 +5197,21 @@
           <a:prstGeom prst="rect">
             <a:avLst/>
           </a:prstGeom>
-          <a:solidFill>
-            <a:srgbClr val="282C34"/>
-          </a:solidFill>
+          <a:noFill/>
           <a:ln>
             <a:solidFill>
-              <a:srgbClr val="3EAF7C"/>
+              <a:srgbClr val="2C3E50"/>
             </a:solidFill>
           </a:ln>
+          <a:extLst>
+            <a:ext uri="{909E8E84-426E-40DD-AFC4-6F175D3DCCD1}">
+              <a14:hiddenFill xmlns:a14="http://schemas.microsoft.com/office/drawing/2010/main">
+                <a:solidFill>
+                  <a:srgbClr val="282C34"/>
+                </a:solidFill>
+              </a14:hiddenFill>
+            </a:ext>
+          </a:extLst>
         </p:spPr>
         <p:style>
           <a:lnRef idx="2">
@@ -5282,32 +5233,43 @@
           <a:bodyPr rtlCol="0" anchor="ctr"/>
           <a:p>
             <a:pPr algn="ctr"/>
-            <a:endParaRPr lang="en-US" altLang="en-US"/>
-          </a:p>
-        </p:txBody>
-      </p:sp>
-      <p:sp>
-        <p:nvSpPr>
-          <p:cNvPr id="25" name="Rectangle 24"/>
+            <a:endParaRPr lang="en-US" altLang="en-US">
+              <a:solidFill>
+                <a:schemeClr val="tx1"/>
+              </a:solidFill>
+            </a:endParaRPr>
+          </a:p>
+        </p:txBody>
+      </p:sp>
+      <p:sp>
+        <p:nvSpPr>
+          <p:cNvPr id="29" name="Rectangle 28"/>
           <p:cNvSpPr/>
           <p:nvPr/>
         </p:nvSpPr>
         <p:spPr>
           <a:xfrm>
-            <a:off x="2356485" y="1892300"/>
+            <a:off x="2366010" y="1601470"/>
             <a:ext cx="1384935" cy="290830"/>
           </a:xfrm>
           <a:prstGeom prst="rect">
             <a:avLst/>
           </a:prstGeom>
-          <a:solidFill>
-            <a:srgbClr val="282C34"/>
-          </a:solidFill>
+          <a:noFill/>
           <a:ln>
             <a:solidFill>
-              <a:srgbClr val="3EAF7C"/>
+              <a:srgbClr val="2C3E50"/>
             </a:solidFill>
           </a:ln>
+          <a:extLst>
+            <a:ext uri="{909E8E84-426E-40DD-AFC4-6F175D3DCCD1}">
+              <a14:hiddenFill xmlns:a14="http://schemas.microsoft.com/office/drawing/2010/main">
+                <a:solidFill>
+                  <a:srgbClr val="282C34"/>
+                </a:solidFill>
+              </a14:hiddenFill>
+            </a:ext>
+          </a:extLst>
         </p:spPr>
         <p:style>
           <a:lnRef idx="2">
@@ -5329,17 +5291,9 @@
           <a:bodyPr rtlCol="0" anchor="ctr"/>
           <a:p>
             <a:pPr algn="ctr"/>
-            <a:r>
-              <a:rPr lang="" altLang="en-US">
-                <a:solidFill>
-                  <a:srgbClr val="3EAF7C"/>
-                </a:solidFill>
-              </a:rPr>
-              <a:t>node#0</a:t>
-            </a:r>
-            <a:endParaRPr lang="" altLang="en-US">
+            <a:endParaRPr lang="en-US" altLang="en-US">
               <a:solidFill>
-                <a:srgbClr val="3EAF7C"/>
+                <a:schemeClr val="tx1"/>
               </a:solidFill>
             </a:endParaRPr>
           </a:p>
@@ -5347,26 +5301,33 @@
       </p:sp>
       <p:sp>
         <p:nvSpPr>
-          <p:cNvPr id="29" name="Rectangle 28"/>
+          <p:cNvPr id="30" name="Rectangle 29"/>
           <p:cNvSpPr/>
           <p:nvPr/>
         </p:nvSpPr>
         <p:spPr>
           <a:xfrm>
-            <a:off x="2366010" y="1601470"/>
+            <a:off x="2356485" y="2183130"/>
             <a:ext cx="1384935" cy="290830"/>
           </a:xfrm>
           <a:prstGeom prst="rect">
             <a:avLst/>
           </a:prstGeom>
-          <a:solidFill>
-            <a:srgbClr val="282C34"/>
-          </a:solidFill>
+          <a:noFill/>
           <a:ln>
             <a:solidFill>
-              <a:srgbClr val="3EAF7C"/>
+              <a:srgbClr val="2C3E50"/>
             </a:solidFill>
           </a:ln>
+          <a:extLst>
+            <a:ext uri="{909E8E84-426E-40DD-AFC4-6F175D3DCCD1}">
+              <a14:hiddenFill xmlns:a14="http://schemas.microsoft.com/office/drawing/2010/main">
+                <a:solidFill>
+                  <a:srgbClr val="282C34"/>
+                </a:solidFill>
+              </a14:hiddenFill>
+            </a:ext>
+          </a:extLst>
         </p:spPr>
         <p:style>
           <a:lnRef idx="2">
@@ -5388,32 +5349,43 @@
           <a:bodyPr rtlCol="0" anchor="ctr"/>
           <a:p>
             <a:pPr algn="ctr"/>
-            <a:endParaRPr lang="en-US" altLang="en-US"/>
-          </a:p>
-        </p:txBody>
-      </p:sp>
-      <p:sp>
-        <p:nvSpPr>
-          <p:cNvPr id="30" name="Rectangle 29"/>
+            <a:endParaRPr lang="en-US" altLang="en-US">
+              <a:solidFill>
+                <a:schemeClr val="tx1"/>
+              </a:solidFill>
+            </a:endParaRPr>
+          </a:p>
+        </p:txBody>
+      </p:sp>
+      <p:sp>
+        <p:nvSpPr>
+          <p:cNvPr id="31" name="Rectangle 30"/>
           <p:cNvSpPr/>
           <p:nvPr/>
         </p:nvSpPr>
         <p:spPr>
           <a:xfrm>
-            <a:off x="2356485" y="2183130"/>
+            <a:off x="2356485" y="2473960"/>
             <a:ext cx="1384935" cy="290830"/>
           </a:xfrm>
           <a:prstGeom prst="rect">
             <a:avLst/>
           </a:prstGeom>
-          <a:solidFill>
-            <a:srgbClr val="282C34"/>
-          </a:solidFill>
+          <a:noFill/>
           <a:ln>
             <a:solidFill>
-              <a:srgbClr val="3EAF7C"/>
+              <a:srgbClr val="2C3E50"/>
             </a:solidFill>
           </a:ln>
+          <a:extLst>
+            <a:ext uri="{909E8E84-426E-40DD-AFC4-6F175D3DCCD1}">
+              <a14:hiddenFill xmlns:a14="http://schemas.microsoft.com/office/drawing/2010/main">
+                <a:solidFill>
+                  <a:srgbClr val="282C34"/>
+                </a:solidFill>
+              </a14:hiddenFill>
+            </a:ext>
+          </a:extLst>
         </p:spPr>
         <p:style>
           <a:lnRef idx="2">
@@ -5435,32 +5407,43 @@
           <a:bodyPr rtlCol="0" anchor="ctr"/>
           <a:p>
             <a:pPr algn="ctr"/>
-            <a:endParaRPr lang="en-US" altLang="en-US"/>
-          </a:p>
-        </p:txBody>
-      </p:sp>
-      <p:sp>
-        <p:nvSpPr>
-          <p:cNvPr id="31" name="Rectangle 30"/>
+            <a:endParaRPr lang="en-US" altLang="en-US">
+              <a:solidFill>
+                <a:schemeClr val="tx1"/>
+              </a:solidFill>
+            </a:endParaRPr>
+          </a:p>
+        </p:txBody>
+      </p:sp>
+      <p:sp>
+        <p:nvSpPr>
+          <p:cNvPr id="32" name="Rectangle 31"/>
           <p:cNvSpPr/>
           <p:nvPr/>
         </p:nvSpPr>
         <p:spPr>
           <a:xfrm>
-            <a:off x="2356485" y="2473960"/>
+            <a:off x="2369185" y="3990340"/>
             <a:ext cx="1384935" cy="290830"/>
           </a:xfrm>
           <a:prstGeom prst="rect">
             <a:avLst/>
           </a:prstGeom>
-          <a:solidFill>
-            <a:srgbClr val="282C34"/>
-          </a:solidFill>
+          <a:noFill/>
           <a:ln>
             <a:solidFill>
-              <a:srgbClr val="3EAF7C"/>
+              <a:srgbClr val="2C3E50"/>
             </a:solidFill>
           </a:ln>
+          <a:extLst>
+            <a:ext uri="{909E8E84-426E-40DD-AFC4-6F175D3DCCD1}">
+              <a14:hiddenFill xmlns:a14="http://schemas.microsoft.com/office/drawing/2010/main">
+                <a:solidFill>
+                  <a:srgbClr val="282C34"/>
+                </a:solidFill>
+              </a14:hiddenFill>
+            </a:ext>
+          </a:extLst>
         </p:spPr>
         <p:style>
           <a:lnRef idx="2">
@@ -5482,32 +5465,43 @@
           <a:bodyPr rtlCol="0" anchor="ctr"/>
           <a:p>
             <a:pPr algn="ctr"/>
-            <a:endParaRPr lang="en-US" altLang="en-US"/>
-          </a:p>
-        </p:txBody>
-      </p:sp>
-      <p:sp>
-        <p:nvSpPr>
-          <p:cNvPr id="32" name="Rectangle 31"/>
+            <a:endParaRPr lang="en-US" altLang="en-US">
+              <a:solidFill>
+                <a:schemeClr val="tx1"/>
+              </a:solidFill>
+            </a:endParaRPr>
+          </a:p>
+        </p:txBody>
+      </p:sp>
+      <p:sp>
+        <p:nvSpPr>
+          <p:cNvPr id="33" name="Rectangle 32"/>
           <p:cNvSpPr/>
           <p:nvPr/>
         </p:nvSpPr>
         <p:spPr>
           <a:xfrm>
-            <a:off x="2369185" y="3990340"/>
+            <a:off x="2359660" y="4581525"/>
             <a:ext cx="1384935" cy="290830"/>
           </a:xfrm>
           <a:prstGeom prst="rect">
             <a:avLst/>
           </a:prstGeom>
-          <a:solidFill>
-            <a:srgbClr val="282C34"/>
-          </a:solidFill>
+          <a:noFill/>
           <a:ln>
             <a:solidFill>
-              <a:srgbClr val="3EAF7C"/>
+              <a:srgbClr val="2C3E50"/>
             </a:solidFill>
           </a:ln>
+          <a:extLst>
+            <a:ext uri="{909E8E84-426E-40DD-AFC4-6F175D3DCCD1}">
+              <a14:hiddenFill xmlns:a14="http://schemas.microsoft.com/office/drawing/2010/main">
+                <a:solidFill>
+                  <a:srgbClr val="282C34"/>
+                </a:solidFill>
+              </a14:hiddenFill>
+            </a:ext>
+          </a:extLst>
         </p:spPr>
         <p:style>
           <a:lnRef idx="2">
@@ -5529,32 +5523,43 @@
           <a:bodyPr rtlCol="0" anchor="ctr"/>
           <a:p>
             <a:pPr algn="ctr"/>
-            <a:endParaRPr lang="en-US" altLang="en-US"/>
-          </a:p>
-        </p:txBody>
-      </p:sp>
-      <p:sp>
-        <p:nvSpPr>
-          <p:cNvPr id="33" name="Rectangle 32"/>
+            <a:endParaRPr lang="en-US" altLang="en-US">
+              <a:solidFill>
+                <a:schemeClr val="tx1"/>
+              </a:solidFill>
+            </a:endParaRPr>
+          </a:p>
+        </p:txBody>
+      </p:sp>
+      <p:sp>
+        <p:nvSpPr>
+          <p:cNvPr id="34" name="Rectangle 33"/>
           <p:cNvSpPr/>
           <p:nvPr/>
         </p:nvSpPr>
         <p:spPr>
           <a:xfrm>
-            <a:off x="2359660" y="4581525"/>
+            <a:off x="2369185" y="4290695"/>
             <a:ext cx="1384935" cy="290830"/>
           </a:xfrm>
           <a:prstGeom prst="rect">
             <a:avLst/>
           </a:prstGeom>
-          <a:solidFill>
-            <a:srgbClr val="282C34"/>
-          </a:solidFill>
+          <a:noFill/>
           <a:ln>
             <a:solidFill>
-              <a:srgbClr val="3EAF7C"/>
+              <a:srgbClr val="2C3E50"/>
             </a:solidFill>
           </a:ln>
+          <a:extLst>
+            <a:ext uri="{909E8E84-426E-40DD-AFC4-6F175D3DCCD1}">
+              <a14:hiddenFill xmlns:a14="http://schemas.microsoft.com/office/drawing/2010/main">
+                <a:solidFill>
+                  <a:srgbClr val="282C34"/>
+                </a:solidFill>
+              </a14:hiddenFill>
+            </a:ext>
+          </a:extLst>
         </p:spPr>
         <p:style>
           <a:lnRef idx="2">
@@ -5576,32 +5581,43 @@
           <a:bodyPr rtlCol="0" anchor="ctr"/>
           <a:p>
             <a:pPr algn="ctr"/>
-            <a:endParaRPr lang="en-US" altLang="en-US"/>
-          </a:p>
-        </p:txBody>
-      </p:sp>
-      <p:sp>
-        <p:nvSpPr>
-          <p:cNvPr id="34" name="Rectangle 33"/>
+            <a:endParaRPr lang="en-US" altLang="en-US">
+              <a:solidFill>
+                <a:schemeClr val="tx1"/>
+              </a:solidFill>
+            </a:endParaRPr>
+          </a:p>
+        </p:txBody>
+      </p:sp>
+      <p:sp>
+        <p:nvSpPr>
+          <p:cNvPr id="36" name="Rectangle 35"/>
           <p:cNvSpPr/>
           <p:nvPr/>
         </p:nvSpPr>
         <p:spPr>
           <a:xfrm>
-            <a:off x="2369185" y="4290695"/>
+            <a:off x="2359660" y="5163185"/>
             <a:ext cx="1384935" cy="290830"/>
           </a:xfrm>
           <a:prstGeom prst="rect">
             <a:avLst/>
           </a:prstGeom>
-          <a:solidFill>
-            <a:srgbClr val="282C34"/>
-          </a:solidFill>
+          <a:noFill/>
           <a:ln>
             <a:solidFill>
-              <a:srgbClr val="3EAF7C"/>
+              <a:srgbClr val="2C3E50"/>
             </a:solidFill>
           </a:ln>
+          <a:extLst>
+            <a:ext uri="{909E8E84-426E-40DD-AFC4-6F175D3DCCD1}">
+              <a14:hiddenFill xmlns:a14="http://schemas.microsoft.com/office/drawing/2010/main">
+                <a:solidFill>
+                  <a:srgbClr val="282C34"/>
+                </a:solidFill>
+              </a14:hiddenFill>
+            </a:ext>
+          </a:extLst>
         </p:spPr>
         <p:style>
           <a:lnRef idx="2">
@@ -5623,32 +5639,43 @@
           <a:bodyPr rtlCol="0" anchor="ctr"/>
           <a:p>
             <a:pPr algn="ctr"/>
-            <a:endParaRPr lang="en-US" altLang="en-US"/>
-          </a:p>
-        </p:txBody>
-      </p:sp>
-      <p:sp>
-        <p:nvSpPr>
-          <p:cNvPr id="35" name="Rectangle 34"/>
+            <a:endParaRPr lang="en-US" altLang="en-US">
+              <a:solidFill>
+                <a:schemeClr val="tx1"/>
+              </a:solidFill>
+            </a:endParaRPr>
+          </a:p>
+        </p:txBody>
+      </p:sp>
+      <p:sp>
+        <p:nvSpPr>
+          <p:cNvPr id="37" name="Rectangle 36"/>
           <p:cNvSpPr/>
           <p:nvPr/>
         </p:nvSpPr>
         <p:spPr>
           <a:xfrm>
-            <a:off x="2359660" y="4872355"/>
+            <a:off x="2362835" y="5452110"/>
             <a:ext cx="1384935" cy="290830"/>
           </a:xfrm>
           <a:prstGeom prst="rect">
             <a:avLst/>
           </a:prstGeom>
-          <a:solidFill>
-            <a:srgbClr val="282C34"/>
-          </a:solidFill>
+          <a:noFill/>
           <a:ln>
             <a:solidFill>
-              <a:srgbClr val="3EAF7C"/>
+              <a:srgbClr val="2C3E50"/>
             </a:solidFill>
           </a:ln>
+          <a:extLst>
+            <a:ext uri="{909E8E84-426E-40DD-AFC4-6F175D3DCCD1}">
+              <a14:hiddenFill xmlns:a14="http://schemas.microsoft.com/office/drawing/2010/main">
+                <a:solidFill>
+                  <a:srgbClr val="282C34"/>
+                </a:solidFill>
+              </a14:hiddenFill>
+            </a:ext>
+          </a:extLst>
         </p:spPr>
         <p:style>
           <a:lnRef idx="2">
@@ -5670,17 +5697,9 @@
           <a:bodyPr rtlCol="0" anchor="ctr"/>
           <a:p>
             <a:pPr algn="ctr"/>
-            <a:r>
-              <a:rPr lang="" altLang="en-US">
-                <a:solidFill>
-                  <a:srgbClr val="3EAF7C"/>
-                </a:solidFill>
-              </a:rPr>
-              <a:t>node#1</a:t>
-            </a:r>
-            <a:endParaRPr lang="" altLang="en-US">
+            <a:endParaRPr lang="en-US" altLang="en-US">
               <a:solidFill>
-                <a:srgbClr val="3EAF7C"/>
+                <a:schemeClr val="tx1"/>
               </a:solidFill>
             </a:endParaRPr>
           </a:p>
@@ -5688,24 +5707,76 @@
       </p:sp>
       <p:sp>
         <p:nvSpPr>
-          <p:cNvPr id="36" name="Rectangle 35"/>
+          <p:cNvPr id="38" name="Text Box 37"/>
+          <p:cNvSpPr txBox="1"/>
+          <p:nvPr/>
+        </p:nvSpPr>
+        <p:spPr>
+          <a:xfrm>
+            <a:off x="8418830" y="808355"/>
+            <a:ext cx="3345180" cy="645160"/>
+          </a:xfrm>
+          <a:prstGeom prst="rect">
+            <a:avLst/>
+          </a:prstGeom>
+          <a:noFill/>
+        </p:spPr>
+        <p:txBody>
+          <a:bodyPr wrap="none" rtlCol="0">
+            <a:spAutoFit/>
+          </a:bodyPr>
+          <a:p>
+            <a:pPr algn="l"/>
+            <a:r>
+              <a:rPr lang="en-US">
+                <a:solidFill>
+                  <a:srgbClr val="2C3E50"/>
+                </a:solidFill>
+              </a:rPr>
+              <a:t>struct pglist_data *</a:t>
+            </a:r>
+            <a:endParaRPr lang="en-US">
+              <a:solidFill>
+                <a:srgbClr val="2C3E50"/>
+              </a:solidFill>
+            </a:endParaRPr>
+          </a:p>
+          <a:p>
+            <a:pPr algn="l"/>
+            <a:r>
+              <a:rPr lang="en-US">
+                <a:solidFill>
+                  <a:srgbClr val="2C3E50"/>
+                </a:solidFill>
+              </a:rPr>
+              <a:t>node_data[MAX_NUMNODES]</a:t>
+            </a:r>
+            <a:endParaRPr lang="en-US">
+              <a:solidFill>
+                <a:srgbClr val="2C3E50"/>
+              </a:solidFill>
+            </a:endParaRPr>
+          </a:p>
+        </p:txBody>
+      </p:sp>
+      <p:sp>
+        <p:nvSpPr>
+          <p:cNvPr id="55" name="Rectangle 54"/>
           <p:cNvSpPr/>
           <p:nvPr/>
         </p:nvSpPr>
         <p:spPr>
           <a:xfrm>
-            <a:off x="2359660" y="5163185"/>
-            <a:ext cx="1384935" cy="290830"/>
+            <a:off x="8563610" y="2292350"/>
+            <a:ext cx="1534795" cy="2327910"/>
           </a:xfrm>
           <a:prstGeom prst="rect">
             <a:avLst/>
           </a:prstGeom>
-          <a:solidFill>
-            <a:srgbClr val="282C34"/>
-          </a:solidFill>
+          <a:noFill/>
           <a:ln>
             <a:solidFill>
-              <a:srgbClr val="3EAF7C"/>
+              <a:srgbClr val="2C3E50"/>
             </a:solidFill>
           </a:ln>
         </p:spPr>
@@ -5729,30 +5800,34 @@
           <a:bodyPr rtlCol="0" anchor="ctr"/>
           <a:p>
             <a:pPr algn="ctr"/>
-            <a:endParaRPr lang="en-US" altLang="en-US"/>
-          </a:p>
-        </p:txBody>
-      </p:sp>
-      <p:sp>
-        <p:nvSpPr>
-          <p:cNvPr id="37" name="Rectangle 36"/>
+            <a:endParaRPr lang="en-US">
+              <a:solidFill>
+                <a:schemeClr val="bg2">
+                  <a:lumMod val="25000"/>
+                </a:schemeClr>
+              </a:solidFill>
+            </a:endParaRPr>
+          </a:p>
+        </p:txBody>
+      </p:sp>
+      <p:sp>
+        <p:nvSpPr>
+          <p:cNvPr id="56" name="Rectangle 55"/>
           <p:cNvSpPr/>
           <p:nvPr/>
         </p:nvSpPr>
         <p:spPr>
           <a:xfrm>
-            <a:off x="2362835" y="5452110"/>
-            <a:ext cx="1384935" cy="290830"/>
+            <a:off x="8564245" y="2292350"/>
+            <a:ext cx="1524635" cy="312420"/>
           </a:xfrm>
           <a:prstGeom prst="rect">
             <a:avLst/>
           </a:prstGeom>
-          <a:solidFill>
-            <a:srgbClr val="282C34"/>
-          </a:solidFill>
+          <a:noFill/>
           <a:ln>
             <a:solidFill>
-              <a:srgbClr val="3EAF7C"/>
+              <a:srgbClr val="2C3E50"/>
             </a:solidFill>
           </a:ln>
         </p:spPr>
@@ -5776,86 +5851,55 @@
           <a:bodyPr rtlCol="0" anchor="ctr"/>
           <a:p>
             <a:pPr algn="ctr"/>
-            <a:endParaRPr lang="en-US" altLang="en-US"/>
-          </a:p>
-        </p:txBody>
-      </p:sp>
-      <p:sp>
-        <p:nvSpPr>
-          <p:cNvPr id="38" name="Text Box 37"/>
-          <p:cNvSpPr txBox="1"/>
-          <p:nvPr/>
-        </p:nvSpPr>
-        <p:spPr>
-          <a:xfrm>
-            <a:off x="8418830" y="808355"/>
-            <a:ext cx="3345180" cy="645160"/>
-          </a:xfrm>
-          <a:prstGeom prst="rect">
-            <a:avLst/>
-          </a:prstGeom>
-          <a:noFill/>
-        </p:spPr>
-        <p:txBody>
-          <a:bodyPr wrap="none" rtlCol="0">
-            <a:spAutoFit/>
-          </a:bodyPr>
-          <a:p>
-            <a:pPr algn="l"/>
-            <a:r>
-              <a:rPr lang="en-US">
-                <a:solidFill>
-                  <a:srgbClr val="2C3E50"/>
+            <a:r>
+              <a:rPr lang="en-US" altLang="en-US">
+                <a:solidFill>
+                  <a:schemeClr val="bg2">
+                    <a:lumMod val="25000"/>
+                  </a:schemeClr>
                 </a:solidFill>
               </a:rPr>
-              <a:t>struct pglist_data *</a:t>
-            </a:r>
-            <a:endParaRPr lang="en-US">
+              <a:t>node_data[n]</a:t>
+            </a:r>
+            <a:endParaRPr lang="en-US" altLang="en-US">
               <a:solidFill>
-                <a:srgbClr val="2C3E50"/>
+                <a:schemeClr val="bg2">
+                  <a:lumMod val="25000"/>
+                </a:schemeClr>
               </a:solidFill>
             </a:endParaRPr>
           </a:p>
-          <a:p>
-            <a:pPr algn="l"/>
-            <a:r>
-              <a:rPr lang="en-US">
-                <a:solidFill>
-                  <a:srgbClr val="2C3E50"/>
-                </a:solidFill>
-              </a:rPr>
-              <a:t>node_data[MAX_NUMNODES]</a:t>
-            </a:r>
-            <a:endParaRPr lang="en-US">
-              <a:solidFill>
-                <a:srgbClr val="2C3E50"/>
-              </a:solidFill>
-            </a:endParaRPr>
-          </a:p>
-        </p:txBody>
-      </p:sp>
-      <p:sp>
-        <p:nvSpPr>
-          <p:cNvPr id="55" name="Rectangle 54"/>
+        </p:txBody>
+      </p:sp>
+      <p:sp>
+        <p:nvSpPr>
+          <p:cNvPr id="60" name="Rectangle 59"/>
           <p:cNvSpPr/>
           <p:nvPr/>
         </p:nvSpPr>
         <p:spPr>
           <a:xfrm>
-            <a:off x="8563610" y="2292350"/>
-            <a:ext cx="1534795" cy="2327910"/>
+            <a:off x="5878830" y="3716655"/>
+            <a:ext cx="1122680" cy="1877060"/>
           </a:xfrm>
           <a:prstGeom prst="rect">
             <a:avLst/>
           </a:prstGeom>
-          <a:solidFill>
-            <a:srgbClr val="282C34"/>
-          </a:solidFill>
+          <a:noFill/>
           <a:ln>
             <a:solidFill>
-              <a:srgbClr val="3EAF7C"/>
+              <a:srgbClr val="2C3E50"/>
             </a:solidFill>
           </a:ln>
+          <a:extLst>
+            <a:ext uri="{909E8E84-426E-40DD-AFC4-6F175D3DCCD1}">
+              <a14:hiddenFill xmlns:a14="http://schemas.microsoft.com/office/drawing/2010/main">
+                <a:solidFill>
+                  <a:srgbClr val="282C34"/>
+                </a:solidFill>
+              </a14:hiddenFill>
+            </a:ext>
+          </a:extLst>
         </p:spPr>
         <p:style>
           <a:lnRef idx="2">
@@ -5879,7 +5923,7 @@
             <a:pPr algn="ctr"/>
             <a:endParaRPr lang="en-US">
               <a:solidFill>
-                <a:srgbClr val="3EAF7C"/>
+                <a:schemeClr val="tx1"/>
               </a:solidFill>
             </a:endParaRPr>
           </a:p>
@@ -5887,26 +5931,33 @@
       </p:sp>
       <p:sp>
         <p:nvSpPr>
-          <p:cNvPr id="56" name="Rectangle 55"/>
+          <p:cNvPr id="61" name="Rectangle 60"/>
           <p:cNvSpPr/>
           <p:nvPr/>
         </p:nvSpPr>
         <p:spPr>
           <a:xfrm>
-            <a:off x="8564245" y="2292350"/>
-            <a:ext cx="1524635" cy="312420"/>
+            <a:off x="5878830" y="3716655"/>
+            <a:ext cx="1113790" cy="274320"/>
           </a:xfrm>
           <a:prstGeom prst="rect">
             <a:avLst/>
           </a:prstGeom>
-          <a:solidFill>
-            <a:srgbClr val="282C34"/>
-          </a:solidFill>
+          <a:noFill/>
           <a:ln>
             <a:solidFill>
-              <a:srgbClr val="3EAF7C"/>
+              <a:srgbClr val="2C3E50"/>
             </a:solidFill>
           </a:ln>
+          <a:extLst>
+            <a:ext uri="{909E8E84-426E-40DD-AFC4-6F175D3DCCD1}">
+              <a14:hiddenFill xmlns:a14="http://schemas.microsoft.com/office/drawing/2010/main">
+                <a:solidFill>
+                  <a:srgbClr val="282C34"/>
+                </a:solidFill>
+              </a14:hiddenFill>
+            </a:ext>
+          </a:extLst>
         </p:spPr>
         <p:style>
           <a:lnRef idx="2">
@@ -5931,14 +5982,14 @@
             <a:r>
               <a:rPr lang="en-US" altLang="en-US">
                 <a:solidFill>
-                  <a:srgbClr val="3EAF7C"/>
+                  <a:schemeClr val="tx1"/>
                 </a:solidFill>
               </a:rPr>
-              <a:t>node_data[n]</a:t>
+              <a:t>page[n]</a:t>
             </a:r>
             <a:endParaRPr lang="en-US" altLang="en-US">
               <a:solidFill>
-                <a:srgbClr val="3EAF7C"/>
+                <a:schemeClr val="tx1"/>
               </a:solidFill>
             </a:endParaRPr>
           </a:p>
@@ -5946,26 +5997,33 @@
       </p:sp>
       <p:sp>
         <p:nvSpPr>
-          <p:cNvPr id="60" name="Rectangle 59"/>
+          <p:cNvPr id="62" name="Rectangle 61"/>
           <p:cNvSpPr/>
           <p:nvPr/>
         </p:nvSpPr>
         <p:spPr>
           <a:xfrm>
-            <a:off x="5878830" y="3716655"/>
-            <a:ext cx="1122680" cy="1877060"/>
+            <a:off x="5888355" y="5281295"/>
+            <a:ext cx="1113790" cy="274320"/>
           </a:xfrm>
           <a:prstGeom prst="rect">
             <a:avLst/>
           </a:prstGeom>
-          <a:solidFill>
-            <a:srgbClr val="282C34"/>
-          </a:solidFill>
+          <a:noFill/>
           <a:ln>
             <a:solidFill>
-              <a:srgbClr val="3EAF7C"/>
+              <a:srgbClr val="2C3E50"/>
             </a:solidFill>
           </a:ln>
+          <a:extLst>
+            <a:ext uri="{909E8E84-426E-40DD-AFC4-6F175D3DCCD1}">
+              <a14:hiddenFill xmlns:a14="http://schemas.microsoft.com/office/drawing/2010/main">
+                <a:solidFill>
+                  <a:srgbClr val="282C34"/>
+                </a:solidFill>
+              </a14:hiddenFill>
+            </a:ext>
+          </a:extLst>
         </p:spPr>
         <p:style>
           <a:lnRef idx="2">
@@ -5987,9 +6045,17 @@
           <a:bodyPr rtlCol="0" anchor="ctr"/>
           <a:p>
             <a:pPr algn="ctr"/>
-            <a:endParaRPr lang="en-US">
+            <a:r>
+              <a:rPr lang="en-US" altLang="en-US">
+                <a:solidFill>
+                  <a:schemeClr val="tx1"/>
+                </a:solidFill>
+              </a:rPr>
+              <a:t>page[0]</a:t>
+            </a:r>
+            <a:endParaRPr lang="en-US" altLang="en-US">
               <a:solidFill>
-                <a:srgbClr val="3EAF7C"/>
+                <a:schemeClr val="tx1"/>
               </a:solidFill>
             </a:endParaRPr>
           </a:p>
@@ -5997,26 +6063,33 @@
       </p:sp>
       <p:sp>
         <p:nvSpPr>
-          <p:cNvPr id="61" name="Rectangle 60"/>
+          <p:cNvPr id="63" name="Rectangle 62"/>
           <p:cNvSpPr/>
           <p:nvPr/>
         </p:nvSpPr>
         <p:spPr>
           <a:xfrm>
-            <a:off x="5878830" y="3716655"/>
+            <a:off x="5878830" y="5006975"/>
             <a:ext cx="1113790" cy="274320"/>
           </a:xfrm>
           <a:prstGeom prst="rect">
             <a:avLst/>
           </a:prstGeom>
-          <a:solidFill>
-            <a:srgbClr val="282C34"/>
-          </a:solidFill>
+          <a:noFill/>
           <a:ln>
             <a:solidFill>
-              <a:srgbClr val="3EAF7C"/>
+              <a:srgbClr val="2C3E50"/>
             </a:solidFill>
           </a:ln>
+          <a:extLst>
+            <a:ext uri="{909E8E84-426E-40DD-AFC4-6F175D3DCCD1}">
+              <a14:hiddenFill xmlns:a14="http://schemas.microsoft.com/office/drawing/2010/main">
+                <a:solidFill>
+                  <a:srgbClr val="282C34"/>
+                </a:solidFill>
+              </a14:hiddenFill>
+            </a:ext>
+          </a:extLst>
         </p:spPr>
         <p:style>
           <a:lnRef idx="2">
@@ -6041,14 +6114,14 @@
             <a:r>
               <a:rPr lang="en-US" altLang="en-US">
                 <a:solidFill>
-                  <a:srgbClr val="3EAF7C"/>
+                  <a:schemeClr val="tx1"/>
                 </a:solidFill>
               </a:rPr>
-              <a:t>page[n]</a:t>
+              <a:t>page[1]</a:t>
             </a:r>
             <a:endParaRPr lang="en-US" altLang="en-US">
               <a:solidFill>
-                <a:srgbClr val="3EAF7C"/>
+                <a:schemeClr val="tx1"/>
               </a:solidFill>
             </a:endParaRPr>
           </a:p>
@@ -6056,26 +6129,33 @@
       </p:sp>
       <p:sp>
         <p:nvSpPr>
-          <p:cNvPr id="62" name="Rectangle 61"/>
+          <p:cNvPr id="64" name="Rectangle 63"/>
           <p:cNvSpPr/>
           <p:nvPr/>
         </p:nvSpPr>
         <p:spPr>
           <a:xfrm>
-            <a:off x="5888355" y="5281295"/>
+            <a:off x="5887720" y="4136390"/>
             <a:ext cx="1113790" cy="274320"/>
           </a:xfrm>
           <a:prstGeom prst="rect">
             <a:avLst/>
           </a:prstGeom>
-          <a:solidFill>
-            <a:srgbClr val="282C34"/>
-          </a:solidFill>
+          <a:noFill/>
           <a:ln>
             <a:solidFill>
-              <a:srgbClr val="3EAF7C"/>
+              <a:srgbClr val="2C3E50"/>
             </a:solidFill>
           </a:ln>
+          <a:extLst>
+            <a:ext uri="{909E8E84-426E-40DD-AFC4-6F175D3DCCD1}">
+              <a14:hiddenFill xmlns:a14="http://schemas.microsoft.com/office/drawing/2010/main">
+                <a:solidFill>
+                  <a:srgbClr val="282C34"/>
+                </a:solidFill>
+              </a14:hiddenFill>
+            </a:ext>
+          </a:extLst>
         </p:spPr>
         <p:style>
           <a:lnRef idx="2">
@@ -6100,14 +6180,14 @@
             <a:r>
               <a:rPr lang="en-US" altLang="en-US">
                 <a:solidFill>
-                  <a:srgbClr val="3EAF7C"/>
+                  <a:schemeClr val="tx1"/>
                 </a:solidFill>
               </a:rPr>
-              <a:t>page[0]</a:t>
+              <a:t>page[x]</a:t>
             </a:r>
             <a:endParaRPr lang="en-US" altLang="en-US">
               <a:solidFill>
-                <a:srgbClr val="3EAF7C"/>
+                <a:schemeClr val="tx1"/>
               </a:solidFill>
             </a:endParaRPr>
           </a:p>
@@ -6115,26 +6195,33 @@
       </p:sp>
       <p:sp>
         <p:nvSpPr>
-          <p:cNvPr id="63" name="Rectangle 62"/>
+          <p:cNvPr id="65" name="Rectangle 64"/>
           <p:cNvSpPr/>
           <p:nvPr/>
         </p:nvSpPr>
         <p:spPr>
           <a:xfrm>
-            <a:off x="5878830" y="5006975"/>
-            <a:ext cx="1113790" cy="274320"/>
+            <a:off x="5887720" y="1390015"/>
+            <a:ext cx="1122680" cy="1877060"/>
           </a:xfrm>
           <a:prstGeom prst="rect">
             <a:avLst/>
           </a:prstGeom>
-          <a:solidFill>
-            <a:srgbClr val="282C34"/>
-          </a:solidFill>
+          <a:noFill/>
           <a:ln>
             <a:solidFill>
-              <a:srgbClr val="3EAF7C"/>
+              <a:srgbClr val="2C3E50"/>
             </a:solidFill>
           </a:ln>
+          <a:extLst>
+            <a:ext uri="{909E8E84-426E-40DD-AFC4-6F175D3DCCD1}">
+              <a14:hiddenFill xmlns:a14="http://schemas.microsoft.com/office/drawing/2010/main">
+                <a:solidFill>
+                  <a:srgbClr val="282C34"/>
+                </a:solidFill>
+              </a14:hiddenFill>
+            </a:ext>
+          </a:extLst>
         </p:spPr>
         <p:style>
           <a:lnRef idx="2">
@@ -6156,17 +6243,9 @@
           <a:bodyPr rtlCol="0" anchor="ctr"/>
           <a:p>
             <a:pPr algn="ctr"/>
-            <a:r>
-              <a:rPr lang="en-US" altLang="en-US">
-                <a:solidFill>
-                  <a:srgbClr val="3EAF7C"/>
-                </a:solidFill>
-              </a:rPr>
-              <a:t>page[1]</a:t>
-            </a:r>
-            <a:endParaRPr lang="en-US" altLang="en-US">
+            <a:endParaRPr lang="en-US">
               <a:solidFill>
-                <a:srgbClr val="3EAF7C"/>
+                <a:schemeClr val="tx1"/>
               </a:solidFill>
             </a:endParaRPr>
           </a:p>
@@ -6174,26 +6253,33 @@
       </p:sp>
       <p:sp>
         <p:nvSpPr>
-          <p:cNvPr id="64" name="Rectangle 63"/>
+          <p:cNvPr id="66" name="Rectangle 65"/>
           <p:cNvSpPr/>
           <p:nvPr/>
         </p:nvSpPr>
         <p:spPr>
           <a:xfrm>
-            <a:off x="5887720" y="4136390"/>
+            <a:off x="5887720" y="1390015"/>
             <a:ext cx="1113790" cy="274320"/>
           </a:xfrm>
           <a:prstGeom prst="rect">
             <a:avLst/>
           </a:prstGeom>
-          <a:solidFill>
-            <a:srgbClr val="282C34"/>
-          </a:solidFill>
+          <a:noFill/>
           <a:ln>
             <a:solidFill>
-              <a:srgbClr val="3EAF7C"/>
+              <a:srgbClr val="2C3E50"/>
             </a:solidFill>
           </a:ln>
+          <a:extLst>
+            <a:ext uri="{909E8E84-426E-40DD-AFC4-6F175D3DCCD1}">
+              <a14:hiddenFill xmlns:a14="http://schemas.microsoft.com/office/drawing/2010/main">
+                <a:solidFill>
+                  <a:srgbClr val="282C34"/>
+                </a:solidFill>
+              </a14:hiddenFill>
+            </a:ext>
+          </a:extLst>
         </p:spPr>
         <p:style>
           <a:lnRef idx="2">
@@ -6218,14 +6304,14 @@
             <a:r>
               <a:rPr lang="en-US" altLang="en-US">
                 <a:solidFill>
-                  <a:srgbClr val="3EAF7C"/>
+                  <a:schemeClr val="tx1"/>
                 </a:solidFill>
               </a:rPr>
-              <a:t>page[x]</a:t>
+              <a:t>page[n]</a:t>
             </a:r>
             <a:endParaRPr lang="en-US" altLang="en-US">
               <a:solidFill>
-                <a:srgbClr val="3EAF7C"/>
+                <a:schemeClr val="tx1"/>
               </a:solidFill>
             </a:endParaRPr>
           </a:p>
@@ -6233,26 +6319,33 @@
       </p:sp>
       <p:sp>
         <p:nvSpPr>
-          <p:cNvPr id="65" name="Rectangle 64"/>
+          <p:cNvPr id="67" name="Rectangle 66"/>
           <p:cNvSpPr/>
           <p:nvPr/>
         </p:nvSpPr>
         <p:spPr>
           <a:xfrm>
-            <a:off x="5887720" y="1390015"/>
-            <a:ext cx="1122680" cy="1877060"/>
+            <a:off x="5897245" y="2954655"/>
+            <a:ext cx="1113790" cy="274320"/>
           </a:xfrm>
           <a:prstGeom prst="rect">
             <a:avLst/>
           </a:prstGeom>
-          <a:solidFill>
-            <a:srgbClr val="282C34"/>
-          </a:solidFill>
+          <a:noFill/>
           <a:ln>
             <a:solidFill>
-              <a:srgbClr val="3EAF7C"/>
+              <a:srgbClr val="2C3E50"/>
             </a:solidFill>
           </a:ln>
+          <a:extLst>
+            <a:ext uri="{909E8E84-426E-40DD-AFC4-6F175D3DCCD1}">
+              <a14:hiddenFill xmlns:a14="http://schemas.microsoft.com/office/drawing/2010/main">
+                <a:solidFill>
+                  <a:srgbClr val="282C34"/>
+                </a:solidFill>
+              </a14:hiddenFill>
+            </a:ext>
+          </a:extLst>
         </p:spPr>
         <p:style>
           <a:lnRef idx="2">
@@ -6274,9 +6367,17 @@
           <a:bodyPr rtlCol="0" anchor="ctr"/>
           <a:p>
             <a:pPr algn="ctr"/>
-            <a:endParaRPr lang="en-US">
+            <a:r>
+              <a:rPr lang="en-US" altLang="en-US">
+                <a:solidFill>
+                  <a:schemeClr val="tx1"/>
+                </a:solidFill>
+              </a:rPr>
+              <a:t>page[0]</a:t>
+            </a:r>
+            <a:endParaRPr lang="en-US" altLang="en-US">
               <a:solidFill>
-                <a:srgbClr val="3EAF7C"/>
+                <a:schemeClr val="tx1"/>
               </a:solidFill>
             </a:endParaRPr>
           </a:p>
@@ -6284,26 +6385,33 @@
       </p:sp>
       <p:sp>
         <p:nvSpPr>
-          <p:cNvPr id="66" name="Rectangle 65"/>
+          <p:cNvPr id="68" name="Rectangle 67"/>
           <p:cNvSpPr/>
           <p:nvPr/>
         </p:nvSpPr>
         <p:spPr>
           <a:xfrm>
-            <a:off x="5887720" y="1390015"/>
+            <a:off x="5887720" y="2680335"/>
             <a:ext cx="1113790" cy="274320"/>
           </a:xfrm>
           <a:prstGeom prst="rect">
             <a:avLst/>
           </a:prstGeom>
-          <a:solidFill>
-            <a:srgbClr val="282C34"/>
-          </a:solidFill>
+          <a:noFill/>
           <a:ln>
             <a:solidFill>
-              <a:srgbClr val="3EAF7C"/>
+              <a:srgbClr val="2C3E50"/>
             </a:solidFill>
           </a:ln>
+          <a:extLst>
+            <a:ext uri="{909E8E84-426E-40DD-AFC4-6F175D3DCCD1}">
+              <a14:hiddenFill xmlns:a14="http://schemas.microsoft.com/office/drawing/2010/main">
+                <a:solidFill>
+                  <a:srgbClr val="282C34"/>
+                </a:solidFill>
+              </a14:hiddenFill>
+            </a:ext>
+          </a:extLst>
         </p:spPr>
         <p:style>
           <a:lnRef idx="2">
@@ -6328,14 +6436,14 @@
             <a:r>
               <a:rPr lang="en-US" altLang="en-US">
                 <a:solidFill>
-                  <a:srgbClr val="3EAF7C"/>
+                  <a:schemeClr val="tx1"/>
                 </a:solidFill>
               </a:rPr>
-              <a:t>page[n]</a:t>
+              <a:t>page[1]</a:t>
             </a:r>
             <a:endParaRPr lang="en-US" altLang="en-US">
               <a:solidFill>
-                <a:srgbClr val="3EAF7C"/>
+                <a:schemeClr val="tx1"/>
               </a:solidFill>
             </a:endParaRPr>
           </a:p>
@@ -6343,26 +6451,33 @@
       </p:sp>
       <p:sp>
         <p:nvSpPr>
-          <p:cNvPr id="67" name="Rectangle 66"/>
+          <p:cNvPr id="69" name="Rectangle 68"/>
           <p:cNvSpPr/>
           <p:nvPr/>
         </p:nvSpPr>
         <p:spPr>
           <a:xfrm>
-            <a:off x="5897245" y="2954655"/>
+            <a:off x="5896610" y="1809750"/>
             <a:ext cx="1113790" cy="274320"/>
           </a:xfrm>
           <a:prstGeom prst="rect">
             <a:avLst/>
           </a:prstGeom>
-          <a:solidFill>
-            <a:srgbClr val="282C34"/>
-          </a:solidFill>
+          <a:noFill/>
           <a:ln>
             <a:solidFill>
-              <a:srgbClr val="3EAF7C"/>
+              <a:srgbClr val="2C3E50"/>
             </a:solidFill>
           </a:ln>
+          <a:extLst>
+            <a:ext uri="{909E8E84-426E-40DD-AFC4-6F175D3DCCD1}">
+              <a14:hiddenFill xmlns:a14="http://schemas.microsoft.com/office/drawing/2010/main">
+                <a:solidFill>
+                  <a:srgbClr val="282C34"/>
+                </a:solidFill>
+              </a14:hiddenFill>
+            </a:ext>
+          </a:extLst>
         </p:spPr>
         <p:style>
           <a:lnRef idx="2">
@@ -6387,14 +6502,14 @@
             <a:r>
               <a:rPr lang="en-US" altLang="en-US">
                 <a:solidFill>
-                  <a:srgbClr val="3EAF7C"/>
+                  <a:schemeClr val="tx1"/>
                 </a:solidFill>
               </a:rPr>
-              <a:t>page[0]</a:t>
+              <a:t>page[x]</a:t>
             </a:r>
             <a:endParaRPr lang="en-US" altLang="en-US">
               <a:solidFill>
-                <a:srgbClr val="3EAF7C"/>
+                <a:schemeClr val="tx1"/>
               </a:solidFill>
             </a:endParaRPr>
           </a:p>
@@ -6402,24 +6517,22 @@
       </p:sp>
       <p:sp>
         <p:nvSpPr>
-          <p:cNvPr id="68" name="Rectangle 67"/>
+          <p:cNvPr id="70" name="Rectangle 69"/>
           <p:cNvSpPr/>
           <p:nvPr/>
         </p:nvSpPr>
         <p:spPr>
           <a:xfrm>
-            <a:off x="5887720" y="2680335"/>
-            <a:ext cx="1113790" cy="274320"/>
+            <a:off x="8573770" y="4307840"/>
+            <a:ext cx="1524635" cy="312420"/>
           </a:xfrm>
           <a:prstGeom prst="rect">
             <a:avLst/>
           </a:prstGeom>
-          <a:solidFill>
-            <a:srgbClr val="282C34"/>
-          </a:solidFill>
+          <a:noFill/>
           <a:ln>
             <a:solidFill>
-              <a:srgbClr val="3EAF7C"/>
+              <a:srgbClr val="2C3E50"/>
             </a:solidFill>
           </a:ln>
         </p:spPr>
@@ -6446,14 +6559,18 @@
             <a:r>
               <a:rPr lang="en-US" altLang="en-US">
                 <a:solidFill>
-                  <a:srgbClr val="3EAF7C"/>
+                  <a:schemeClr val="bg2">
+                    <a:lumMod val="25000"/>
+                  </a:schemeClr>
                 </a:solidFill>
               </a:rPr>
-              <a:t>page[1]</a:t>
+              <a:t>node_data[0]</a:t>
             </a:r>
             <a:endParaRPr lang="en-US" altLang="en-US">
               <a:solidFill>
-                <a:srgbClr val="3EAF7C"/>
+                <a:schemeClr val="bg2">
+                  <a:lumMod val="25000"/>
+                </a:schemeClr>
               </a:solidFill>
             </a:endParaRPr>
           </a:p>
@@ -6461,24 +6578,22 @@
       </p:sp>
       <p:sp>
         <p:nvSpPr>
-          <p:cNvPr id="69" name="Rectangle 68"/>
+          <p:cNvPr id="71" name="Rectangle 70"/>
           <p:cNvSpPr/>
           <p:nvPr/>
         </p:nvSpPr>
         <p:spPr>
           <a:xfrm>
-            <a:off x="5896610" y="1809750"/>
-            <a:ext cx="1113790" cy="274320"/>
+            <a:off x="8573770" y="3973195"/>
+            <a:ext cx="1524635" cy="312420"/>
           </a:xfrm>
           <a:prstGeom prst="rect">
             <a:avLst/>
           </a:prstGeom>
-          <a:solidFill>
-            <a:srgbClr val="282C34"/>
-          </a:solidFill>
+          <a:noFill/>
           <a:ln>
             <a:solidFill>
-              <a:srgbClr val="3EAF7C"/>
+              <a:srgbClr val="2C3E50"/>
             </a:solidFill>
           </a:ln>
         </p:spPr>
@@ -6505,164 +6620,18 @@
             <a:r>
               <a:rPr lang="en-US" altLang="en-US">
                 <a:solidFill>
-                  <a:srgbClr val="3EAF7C"/>
+                  <a:schemeClr val="bg2">
+                    <a:lumMod val="25000"/>
+                  </a:schemeClr>
                 </a:solidFill>
               </a:rPr>
-              <a:t>page[x]</a:t>
+              <a:t>node_data[1]</a:t>
             </a:r>
             <a:endParaRPr lang="en-US" altLang="en-US">
               <a:solidFill>
-                <a:srgbClr val="3EAF7C"/>
-              </a:solidFill>
-            </a:endParaRPr>
-          </a:p>
-        </p:txBody>
-      </p:sp>
-      <p:sp>
-        <p:nvSpPr>
-          <p:cNvPr id="70" name="Rectangle 69"/>
-          <p:cNvSpPr/>
-          <p:nvPr/>
-        </p:nvSpPr>
-        <p:spPr>
-          <a:xfrm>
-            <a:off x="8573770" y="4307840"/>
-            <a:ext cx="1524635" cy="312420"/>
-          </a:xfrm>
-          <a:prstGeom prst="rect">
-            <a:avLst/>
-          </a:prstGeom>
-          <a:solidFill>
-            <a:srgbClr val="282C34"/>
-          </a:solidFill>
-          <a:ln>
-            <a:solidFill>
-              <a:srgbClr val="3EAF7C"/>
-            </a:solidFill>
-          </a:ln>
-        </p:spPr>
-        <p:style>
-          <a:lnRef idx="2">
-            <a:schemeClr val="accent1">
-              <a:shade val="50000"/>
-            </a:schemeClr>
-          </a:lnRef>
-          <a:fillRef idx="1">
-            <a:schemeClr val="accent1"/>
-          </a:fillRef>
-          <a:effectRef idx="0">
-            <a:schemeClr val="accent1"/>
-          </a:effectRef>
-          <a:fontRef idx="minor">
-            <a:schemeClr val="lt1"/>
-          </a:fontRef>
-        </p:style>
-        <p:txBody>
-          <a:bodyPr rtlCol="0" anchor="ctr"/>
-          <a:p>
-            <a:pPr algn="ctr"/>
-            <a:r>
-              <a:rPr lang="en-US" altLang="en-US">
-                <a:solidFill>
-                  <a:srgbClr val="3EAF7C"/>
-                </a:solidFill>
-              </a:rPr>
-              <a:t>node_data[</a:t>
-            </a:r>
-            <a:r>
-              <a:rPr lang="" altLang="en-US">
-                <a:solidFill>
-                  <a:srgbClr val="3EAF7C"/>
-                </a:solidFill>
-              </a:rPr>
-              <a:t>0</a:t>
-            </a:r>
-            <a:r>
-              <a:rPr lang="en-US" altLang="en-US">
-                <a:solidFill>
-                  <a:srgbClr val="3EAF7C"/>
-                </a:solidFill>
-              </a:rPr>
-              <a:t>]</a:t>
-            </a:r>
-            <a:endParaRPr lang="en-US" altLang="en-US">
-              <a:solidFill>
-                <a:srgbClr val="3EAF7C"/>
-              </a:solidFill>
-            </a:endParaRPr>
-          </a:p>
-        </p:txBody>
-      </p:sp>
-      <p:sp>
-        <p:nvSpPr>
-          <p:cNvPr id="71" name="Rectangle 70"/>
-          <p:cNvSpPr/>
-          <p:nvPr/>
-        </p:nvSpPr>
-        <p:spPr>
-          <a:xfrm>
-            <a:off x="8573770" y="3973195"/>
-            <a:ext cx="1524635" cy="312420"/>
-          </a:xfrm>
-          <a:prstGeom prst="rect">
-            <a:avLst/>
-          </a:prstGeom>
-          <a:solidFill>
-            <a:srgbClr val="282C34"/>
-          </a:solidFill>
-          <a:ln>
-            <a:solidFill>
-              <a:srgbClr val="3EAF7C"/>
-            </a:solidFill>
-          </a:ln>
-        </p:spPr>
-        <p:style>
-          <a:lnRef idx="2">
-            <a:schemeClr val="accent1">
-              <a:shade val="50000"/>
-            </a:schemeClr>
-          </a:lnRef>
-          <a:fillRef idx="1">
-            <a:schemeClr val="accent1"/>
-          </a:fillRef>
-          <a:effectRef idx="0">
-            <a:schemeClr val="accent1"/>
-          </a:effectRef>
-          <a:fontRef idx="minor">
-            <a:schemeClr val="lt1"/>
-          </a:fontRef>
-        </p:style>
-        <p:txBody>
-          <a:bodyPr rtlCol="0" anchor="ctr"/>
-          <a:p>
-            <a:pPr algn="ctr"/>
-            <a:r>
-              <a:rPr lang="en-US" altLang="en-US">
-                <a:solidFill>
-                  <a:srgbClr val="3EAF7C"/>
-                </a:solidFill>
-              </a:rPr>
-              <a:t>node_data[</a:t>
-            </a:r>
-            <a:r>
-              <a:rPr lang="" altLang="en-US">
-                <a:solidFill>
-                  <a:srgbClr val="3EAF7C"/>
-                </a:solidFill>
-              </a:rPr>
-              <a:t>1</a:t>
-            </a:r>
-            <a:r>
-              <a:rPr lang="en-US" altLang="en-US">
-                <a:solidFill>
-                  <a:srgbClr val="3EAF7C"/>
-                </a:solidFill>
-              </a:rPr>
-              <a:t>]</a:t>
-            </a:r>
-            <a:endParaRPr lang="en-US" altLang="en-US">
-              <a:solidFill>
-                <a:srgbClr val="3EAF7C"/>
+                <a:schemeClr val="bg2">
+                  <a:lumMod val="25000"/>
+                </a:schemeClr>
               </a:solidFill>
             </a:endParaRPr>
           </a:p>
@@ -7103,11 +7072,11 @@
             <a:avLst/>
           </a:prstGeom>
           <a:solidFill>
-            <a:srgbClr val="282C34"/>
+            <a:srgbClr val="3EAF7C"/>
           </a:solidFill>
           <a:ln>
             <a:solidFill>
-              <a:srgbClr val="3EAF7C"/>
+              <a:srgbClr val="202020"/>
             </a:solidFill>
           </a:ln>
         </p:spPr>
@@ -7132,24 +7101,16 @@
           <a:p>
             <a:pPr algn="ctr"/>
             <a:r>
-              <a:rPr lang="" altLang="en-US">
-                <a:solidFill>
-                  <a:srgbClr val="3EAF7C"/>
+              <a:rPr lang="en-US" altLang="en-US">
+                <a:solidFill>
+                  <a:schemeClr val="tx1"/>
                 </a:solidFill>
               </a:rPr>
-              <a:t>Section</a:t>
-            </a:r>
-            <a:r>
-              <a:rPr lang="en-US" altLang="en-US">
-                <a:solidFill>
-                  <a:srgbClr val="3EAF7C"/>
-                </a:solidFill>
-              </a:rPr>
-              <a:t>#0</a:t>
+              <a:t>Section#0</a:t>
             </a:r>
             <a:endParaRPr lang="en-US" altLang="en-US">
               <a:solidFill>
-                <a:srgbClr val="3EAF7C"/>
+                <a:schemeClr val="tx1"/>
               </a:solidFill>
             </a:endParaRPr>
           </a:p>
@@ -7355,11 +7316,11 @@
             <a:avLst/>
           </a:prstGeom>
           <a:solidFill>
-            <a:srgbClr val="282C34"/>
+            <a:srgbClr val="3EAF7C"/>
           </a:solidFill>
           <a:ln>
             <a:solidFill>
-              <a:srgbClr val="3EAF7C"/>
+              <a:srgbClr val="202020"/>
             </a:solidFill>
           </a:ln>
         </p:spPr>
@@ -7386,7 +7347,7 @@
             <a:r>
               <a:rPr lang="en-US" altLang="en-US">
                 <a:solidFill>
-                  <a:srgbClr val="3EAF7C"/>
+                  <a:schemeClr val="tx1"/>
                 </a:solidFill>
                 <a:sym typeface="+mn-ea"/>
               </a:rPr>
@@ -7395,22 +7356,14 @@
             <a:r>
               <a:rPr lang="en-US" altLang="en-US">
                 <a:solidFill>
-                  <a:srgbClr val="3EAF7C"/>
+                  <a:schemeClr val="tx1"/>
                 </a:solidFill>
               </a:rPr>
-              <a:t>#</a:t>
-            </a:r>
-            <a:r>
-              <a:rPr lang="" altLang="en-US">
-                <a:solidFill>
-                  <a:srgbClr val="3EAF7C"/>
-                </a:solidFill>
-              </a:rPr>
-              <a:t>x</a:t>
-            </a:r>
-            <a:endParaRPr lang="" altLang="en-US">
+              <a:t>#x</a:t>
+            </a:r>
+            <a:endParaRPr lang="en-US" altLang="en-US">
               <a:solidFill>
-                <a:srgbClr val="3EAF7C"/>
+                <a:schemeClr val="tx1"/>
               </a:solidFill>
             </a:endParaRPr>
           </a:p>
@@ -7624,12 +7577,10 @@
           <a:prstGeom prst="rect">
             <a:avLst/>
           </a:prstGeom>
-          <a:solidFill>
-            <a:srgbClr val="282C34"/>
-          </a:solidFill>
+          <a:noFill/>
           <a:ln>
             <a:solidFill>
-              <a:srgbClr val="3EAF7C"/>
+              <a:schemeClr val="tx1"/>
             </a:solidFill>
           </a:ln>
         </p:spPr>
@@ -7655,7 +7606,7 @@
             <a:pPr algn="ctr"/>
             <a:endParaRPr lang="en-US" altLang="en-US">
               <a:solidFill>
-                <a:srgbClr val="3EAF7C"/>
+                <a:schemeClr val="tx1"/>
               </a:solidFill>
             </a:endParaRPr>
           </a:p>
@@ -7675,12 +7626,10 @@
           <a:prstGeom prst="rect">
             <a:avLst/>
           </a:prstGeom>
-          <a:solidFill>
-            <a:srgbClr val="282C34"/>
-          </a:solidFill>
+          <a:noFill/>
           <a:ln>
             <a:solidFill>
-              <a:srgbClr val="3EAF7C"/>
+              <a:schemeClr val="tx1"/>
             </a:solidFill>
           </a:ln>
         </p:spPr>
@@ -7705,16 +7654,16 @@
           <a:p>
             <a:pPr algn="ctr"/>
             <a:r>
-              <a:rPr lang="" altLang="en-US">
-                <a:solidFill>
-                  <a:srgbClr val="3EAF7C"/>
+              <a:rPr lang="en-US" altLang="en-US">
+                <a:solidFill>
+                  <a:schemeClr val="tx1"/>
                 </a:solidFill>
               </a:rPr>
               <a:t>mem_section[n]</a:t>
             </a:r>
-            <a:endParaRPr lang="" altLang="en-US">
+            <a:endParaRPr lang="en-US" altLang="en-US">
               <a:solidFill>
-                <a:srgbClr val="3EAF7C"/>
+                <a:schemeClr val="tx1"/>
               </a:solidFill>
             </a:endParaRPr>
           </a:p>
@@ -7734,12 +7683,10 @@
           <a:prstGeom prst="rect">
             <a:avLst/>
           </a:prstGeom>
-          <a:solidFill>
-            <a:srgbClr val="282C34"/>
-          </a:solidFill>
+          <a:noFill/>
           <a:ln>
             <a:solidFill>
-              <a:srgbClr val="3EAF7C"/>
+              <a:schemeClr val="tx1"/>
             </a:solidFill>
           </a:ln>
         </p:spPr>
@@ -7766,30 +7713,14 @@
             <a:r>
               <a:rPr lang="en-US" altLang="en-US">
                 <a:solidFill>
-                  <a:srgbClr val="3EAF7C"/>
+                  <a:schemeClr val="tx1"/>
                 </a:solidFill>
               </a:rPr>
-              <a:t>mem_section[</a:t>
-            </a:r>
-            <a:r>
-              <a:rPr lang="" altLang="en-US">
-                <a:solidFill>
-                  <a:srgbClr val="3EAF7C"/>
-                </a:solidFill>
-              </a:rPr>
-              <a:t>0</a:t>
-            </a:r>
-            <a:r>
-              <a:rPr lang="en-US" altLang="en-US">
-                <a:solidFill>
-                  <a:srgbClr val="3EAF7C"/>
-                </a:solidFill>
-              </a:rPr>
-              <a:t>]</a:t>
+              <a:t>mem_section[0]</a:t>
             </a:r>
             <a:endParaRPr lang="en-US" altLang="en-US">
               <a:solidFill>
-                <a:srgbClr val="3EAF7C"/>
+                <a:schemeClr val="tx1"/>
               </a:solidFill>
             </a:endParaRPr>
           </a:p>
@@ -7809,12 +7740,10 @@
           <a:prstGeom prst="rect">
             <a:avLst/>
           </a:prstGeom>
-          <a:solidFill>
-            <a:srgbClr val="282C34"/>
-          </a:solidFill>
+          <a:noFill/>
           <a:ln>
             <a:solidFill>
-              <a:srgbClr val="3EAF7C"/>
+              <a:schemeClr val="tx1"/>
             </a:solidFill>
           </a:ln>
         </p:spPr>
@@ -7841,30 +7770,14 @@
             <a:r>
               <a:rPr lang="en-US" altLang="en-US">
                 <a:solidFill>
-                  <a:srgbClr val="3EAF7C"/>
+                  <a:schemeClr val="tx1"/>
                 </a:solidFill>
               </a:rPr>
-              <a:t>mem_section[</a:t>
-            </a:r>
-            <a:r>
-              <a:rPr lang="" altLang="en-US">
-                <a:solidFill>
-                  <a:srgbClr val="3EAF7C"/>
-                </a:solidFill>
-              </a:rPr>
-              <a:t>1</a:t>
-            </a:r>
-            <a:r>
-              <a:rPr lang="en-US" altLang="en-US">
-                <a:solidFill>
-                  <a:srgbClr val="3EAF7C"/>
-                </a:solidFill>
-              </a:rPr>
-              <a:t>]</a:t>
+              <a:t>mem_section[1]</a:t>
             </a:r>
             <a:endParaRPr lang="en-US" altLang="en-US">
               <a:solidFill>
-                <a:srgbClr val="3EAF7C"/>
+                <a:schemeClr val="tx1"/>
               </a:solidFill>
             </a:endParaRPr>
           </a:p>
@@ -7884,12 +7797,10 @@
           <a:prstGeom prst="rect">
             <a:avLst/>
           </a:prstGeom>
-          <a:solidFill>
-            <a:srgbClr val="282C34"/>
-          </a:solidFill>
+          <a:noFill/>
           <a:ln>
             <a:solidFill>
-              <a:srgbClr val="3EAF7C"/>
+              <a:srgbClr val="202020"/>
             </a:solidFill>
           </a:ln>
         </p:spPr>
@@ -7913,7 +7824,11 @@
           <a:bodyPr rtlCol="0" anchor="ctr"/>
           <a:p>
             <a:pPr algn="ctr"/>
-            <a:endParaRPr lang="" altLang="en-US"/>
+            <a:endParaRPr lang="en-US" altLang="en-US">
+              <a:solidFill>
+                <a:schemeClr val="tx1"/>
+              </a:solidFill>
+            </a:endParaRPr>
           </a:p>
         </p:txBody>
       </p:sp>
@@ -7931,12 +7846,10 @@
           <a:prstGeom prst="rect">
             <a:avLst/>
           </a:prstGeom>
-          <a:solidFill>
-            <a:srgbClr val="282C34"/>
-          </a:solidFill>
+          <a:noFill/>
           <a:ln>
             <a:solidFill>
-              <a:srgbClr val="3EAF7C"/>
+              <a:srgbClr val="202020"/>
             </a:solidFill>
           </a:ln>
         </p:spPr>
@@ -7960,7 +7873,11 @@
           <a:bodyPr rtlCol="0" anchor="ctr"/>
           <a:p>
             <a:pPr algn="ctr"/>
-            <a:endParaRPr lang="en-US" altLang="en-US"/>
+            <a:endParaRPr lang="en-US" altLang="en-US">
+              <a:solidFill>
+                <a:schemeClr val="tx1"/>
+              </a:solidFill>
+            </a:endParaRPr>
           </a:p>
         </p:txBody>
       </p:sp>
@@ -7978,12 +7895,10 @@
           <a:prstGeom prst="rect">
             <a:avLst/>
           </a:prstGeom>
-          <a:solidFill>
-            <a:srgbClr val="282C34"/>
-          </a:solidFill>
+          <a:noFill/>
           <a:ln>
             <a:solidFill>
-              <a:srgbClr val="3EAF7C"/>
+              <a:srgbClr val="202020"/>
             </a:solidFill>
           </a:ln>
         </p:spPr>
@@ -8007,7 +7922,11 @@
           <a:bodyPr rtlCol="0" anchor="ctr"/>
           <a:p>
             <a:pPr algn="ctr"/>
-            <a:endParaRPr lang="en-US" altLang="en-US"/>
+            <a:endParaRPr lang="en-US" altLang="en-US">
+              <a:solidFill>
+                <a:schemeClr val="tx1"/>
+              </a:solidFill>
+            </a:endParaRPr>
           </a:p>
         </p:txBody>
       </p:sp>
@@ -8025,12 +7944,10 @@
           <a:prstGeom prst="rect">
             <a:avLst/>
           </a:prstGeom>
-          <a:solidFill>
-            <a:srgbClr val="282C34"/>
-          </a:solidFill>
+          <a:noFill/>
           <a:ln>
             <a:solidFill>
-              <a:srgbClr val="3EAF7C"/>
+              <a:srgbClr val="202020"/>
             </a:solidFill>
           </a:ln>
         </p:spPr>
@@ -8054,7 +7971,11 @@
           <a:bodyPr rtlCol="0" anchor="ctr"/>
           <a:p>
             <a:pPr algn="ctr"/>
-            <a:endParaRPr lang="en-US" altLang="en-US"/>
+            <a:endParaRPr lang="en-US" altLang="en-US">
+              <a:solidFill>
+                <a:schemeClr val="tx1"/>
+              </a:solidFill>
+            </a:endParaRPr>
           </a:p>
         </p:txBody>
       </p:sp>
@@ -8073,11 +7994,11 @@
             <a:avLst/>
           </a:prstGeom>
           <a:solidFill>
-            <a:srgbClr val="282C34"/>
+            <a:srgbClr val="3EAF7C"/>
           </a:solidFill>
           <a:ln>
             <a:solidFill>
-              <a:srgbClr val="3EAF7C"/>
+              <a:srgbClr val="202020"/>
             </a:solidFill>
           </a:ln>
         </p:spPr>
@@ -8104,7 +8025,7 @@
             <a:r>
               <a:rPr lang="en-US" altLang="en-US">
                 <a:solidFill>
-                  <a:srgbClr val="3EAF7C"/>
+                  <a:schemeClr val="tx1"/>
                 </a:solidFill>
                 <a:sym typeface="+mn-ea"/>
               </a:rPr>
@@ -8113,22 +8034,14 @@
             <a:r>
               <a:rPr lang="en-US" altLang="en-US">
                 <a:solidFill>
-                  <a:srgbClr val="3EAF7C"/>
+                  <a:schemeClr val="tx1"/>
                 </a:solidFill>
               </a:rPr>
-              <a:t>#</a:t>
-            </a:r>
-            <a:r>
-              <a:rPr lang="" altLang="en-US">
-                <a:solidFill>
-                  <a:srgbClr val="3EAF7C"/>
-                </a:solidFill>
-              </a:rPr>
-              <a:t>n</a:t>
-            </a:r>
-            <a:endParaRPr lang="" altLang="en-US">
+              <a:t>#n</a:t>
+            </a:r>
+            <a:endParaRPr lang="en-US" altLang="en-US">
               <a:solidFill>
-                <a:srgbClr val="3EAF7C"/>
+                <a:schemeClr val="tx1"/>
               </a:solidFill>
             </a:endParaRPr>
           </a:p>
@@ -8288,12 +8201,10 @@
           <a:prstGeom prst="rect">
             <a:avLst/>
           </a:prstGeom>
-          <a:solidFill>
-            <a:srgbClr val="282C34"/>
-          </a:solidFill>
+          <a:noFill/>
           <a:ln>
             <a:solidFill>
-              <a:srgbClr val="3EAF7C"/>
+              <a:srgbClr val="202020"/>
             </a:solidFill>
           </a:ln>
         </p:spPr>
@@ -8317,7 +8228,11 @@
           <a:bodyPr rtlCol="0" anchor="ctr"/>
           <a:p>
             <a:pPr algn="ctr"/>
-            <a:endParaRPr lang="en-US" altLang="en-US"/>
+            <a:endParaRPr lang="en-US" altLang="en-US">
+              <a:solidFill>
+                <a:schemeClr val="tx1"/>
+              </a:solidFill>
+            </a:endParaRPr>
           </a:p>
         </p:txBody>
       </p:sp>
@@ -8335,12 +8250,10 @@
           <a:prstGeom prst="rect">
             <a:avLst/>
           </a:prstGeom>
-          <a:solidFill>
-            <a:srgbClr val="282C34"/>
-          </a:solidFill>
+          <a:noFill/>
           <a:ln>
             <a:solidFill>
-              <a:srgbClr val="3EAF7C"/>
+              <a:srgbClr val="202020"/>
             </a:solidFill>
           </a:ln>
         </p:spPr>
@@ -8364,7 +8277,11 @@
           <a:bodyPr rtlCol="0" anchor="ctr"/>
           <a:p>
             <a:pPr algn="ctr"/>
-            <a:endParaRPr lang="en-US" altLang="en-US"/>
+            <a:endParaRPr lang="en-US" altLang="en-US">
+              <a:solidFill>
+                <a:schemeClr val="tx1"/>
+              </a:solidFill>
+            </a:endParaRPr>
           </a:p>
         </p:txBody>
       </p:sp>
@@ -8382,9 +8299,13 @@
           <a:prstGeom prst="rect">
             <a:avLst/>
           </a:prstGeom>
-          <a:solidFill>
-            <a:srgbClr val="282C34"/>
-          </a:solidFill>
+          <a:noFill/>
+          <a:ln w="12700" cmpd="sng">
+            <a:solidFill>
+              <a:srgbClr val="323232"/>
+            </a:solidFill>
+            <a:prstDash val="solid"/>
+          </a:ln>
         </p:spPr>
         <p:style>
           <a:lnRef idx="2">
@@ -8406,7 +8327,11 @@
           <a:bodyPr rtlCol="0" anchor="ctr"/>
           <a:p>
             <a:pPr algn="ctr"/>
-            <a:endParaRPr lang="en-US"/>
+            <a:endParaRPr lang="en-US">
+              <a:solidFill>
+                <a:schemeClr val="tx1"/>
+              </a:solidFill>
+            </a:endParaRPr>
           </a:p>
         </p:txBody>
       </p:sp>
@@ -8424,13 +8349,12 @@
           <a:prstGeom prst="rect">
             <a:avLst/>
           </a:prstGeom>
-          <a:solidFill>
-            <a:srgbClr val="282C34"/>
-          </a:solidFill>
-          <a:ln>
+          <a:noFill/>
+          <a:ln w="12700" cmpd="sng">
             <a:solidFill>
-              <a:srgbClr val="3EAF7C"/>
+              <a:srgbClr val="323232"/>
             </a:solidFill>
+            <a:prstDash val="solid"/>
           </a:ln>
         </p:spPr>
         <p:style>
@@ -8456,14 +8380,14 @@
             <a:r>
               <a:rPr lang="en-US" altLang="en-US">
                 <a:solidFill>
-                  <a:srgbClr val="3EAF7C"/>
+                  <a:schemeClr val="tx1"/>
                 </a:solidFill>
               </a:rPr>
               <a:t>page[n]</a:t>
             </a:r>
             <a:endParaRPr lang="en-US" altLang="en-US">
               <a:solidFill>
-                <a:srgbClr val="3EAF7C"/>
+                <a:schemeClr val="tx1"/>
               </a:solidFill>
             </a:endParaRPr>
           </a:p>
@@ -8483,13 +8407,12 @@
           <a:prstGeom prst="rect">
             <a:avLst/>
           </a:prstGeom>
-          <a:solidFill>
-            <a:srgbClr val="282C34"/>
-          </a:solidFill>
-          <a:ln>
+          <a:noFill/>
+          <a:ln w="12700" cmpd="sng">
             <a:solidFill>
-              <a:srgbClr val="3EAF7C"/>
+              <a:srgbClr val="323232"/>
             </a:solidFill>
+            <a:prstDash val="solid"/>
           </a:ln>
         </p:spPr>
         <p:style>
@@ -8515,30 +8438,14 @@
             <a:r>
               <a:rPr lang="en-US" altLang="en-US">
                 <a:solidFill>
-                  <a:srgbClr val="3EAF7C"/>
+                  <a:schemeClr val="tx1"/>
                 </a:solidFill>
               </a:rPr>
-              <a:t>page[</a:t>
-            </a:r>
-            <a:r>
-              <a:rPr lang="" altLang="en-US">
-                <a:solidFill>
-                  <a:srgbClr val="3EAF7C"/>
-                </a:solidFill>
-              </a:rPr>
-              <a:t>1</a:t>
-            </a:r>
-            <a:r>
-              <a:rPr lang="en-US" altLang="en-US">
-                <a:solidFill>
-                  <a:srgbClr val="3EAF7C"/>
-                </a:solidFill>
-              </a:rPr>
-              <a:t>]</a:t>
+              <a:t>page[1]</a:t>
             </a:r>
             <a:endParaRPr lang="en-US" altLang="en-US">
               <a:solidFill>
-                <a:srgbClr val="3EAF7C"/>
+                <a:schemeClr val="tx1"/>
               </a:solidFill>
             </a:endParaRPr>
           </a:p>
@@ -8596,9 +8503,13 @@
           <a:prstGeom prst="rect">
             <a:avLst/>
           </a:prstGeom>
-          <a:solidFill>
-            <a:srgbClr val="282C34"/>
-          </a:solidFill>
+          <a:noFill/>
+          <a:ln w="12700" cmpd="sng">
+            <a:solidFill>
+              <a:srgbClr val="323232"/>
+            </a:solidFill>
+            <a:prstDash val="solid"/>
+          </a:ln>
         </p:spPr>
         <p:style>
           <a:lnRef idx="2">
@@ -8620,7 +8531,11 @@
           <a:bodyPr rtlCol="0" anchor="ctr"/>
           <a:p>
             <a:pPr algn="ctr"/>
-            <a:endParaRPr lang="en-US"/>
+            <a:endParaRPr lang="en-US">
+              <a:solidFill>
+                <a:schemeClr val="tx1"/>
+              </a:solidFill>
+            </a:endParaRPr>
           </a:p>
         </p:txBody>
       </p:sp>
@@ -8638,13 +8553,12 @@
           <a:prstGeom prst="rect">
             <a:avLst/>
           </a:prstGeom>
-          <a:solidFill>
-            <a:srgbClr val="282C34"/>
-          </a:solidFill>
-          <a:ln>
+          <a:noFill/>
+          <a:ln w="12700" cmpd="sng">
             <a:solidFill>
-              <a:srgbClr val="3EAF7C"/>
+              <a:srgbClr val="323232"/>
             </a:solidFill>
+            <a:prstDash val="solid"/>
           </a:ln>
         </p:spPr>
         <p:style>
@@ -8670,14 +8584,14 @@
             <a:r>
               <a:rPr lang="en-US" altLang="en-US">
                 <a:solidFill>
-                  <a:srgbClr val="3EAF7C"/>
+                  <a:schemeClr val="tx1"/>
                 </a:solidFill>
               </a:rPr>
               <a:t>page[n]</a:t>
             </a:r>
             <a:endParaRPr lang="en-US" altLang="en-US">
               <a:solidFill>
-                <a:srgbClr val="3EAF7C"/>
+                <a:schemeClr val="tx1"/>
               </a:solidFill>
             </a:endParaRPr>
           </a:p>
@@ -8697,13 +8611,12 @@
           <a:prstGeom prst="rect">
             <a:avLst/>
           </a:prstGeom>
-          <a:solidFill>
-            <a:srgbClr val="282C34"/>
-          </a:solidFill>
-          <a:ln>
+          <a:noFill/>
+          <a:ln w="12700" cmpd="sng">
             <a:solidFill>
-              <a:srgbClr val="3EAF7C"/>
+              <a:srgbClr val="323232"/>
             </a:solidFill>
+            <a:prstDash val="solid"/>
           </a:ln>
         </p:spPr>
         <p:style>
@@ -8729,14 +8642,14 @@
             <a:r>
               <a:rPr lang="en-US" altLang="en-US">
                 <a:solidFill>
-                  <a:srgbClr val="3EAF7C"/>
+                  <a:schemeClr val="tx1"/>
                 </a:solidFill>
               </a:rPr>
               <a:t>page[1]</a:t>
             </a:r>
             <a:endParaRPr lang="en-US" altLang="en-US">
               <a:solidFill>
-                <a:srgbClr val="3EAF7C"/>
+                <a:schemeClr val="tx1"/>
               </a:solidFill>
             </a:endParaRPr>
           </a:p>
@@ -8757,6 +8670,12 @@
             <a:avLst/>
           </a:prstGeom>
           <a:noFill/>
+          <a:ln w="12700" cmpd="sng">
+            <a:solidFill>
+              <a:srgbClr val="323232"/>
+            </a:solidFill>
+            <a:prstDash val="solid"/>
+          </a:ln>
         </p:spPr>
         <p:txBody>
           <a:bodyPr wrap="none" rtlCol="0">
@@ -8765,10 +8684,18 @@
           <a:p>
             <a:pPr algn="l"/>
             <a:r>
-              <a:rPr lang="en-US"/>
+              <a:rPr lang="en-US">
+                <a:solidFill>
+                  <a:schemeClr val="tx1"/>
+                </a:solidFill>
+              </a:rPr>
               <a:t>struct page *</a:t>
             </a:r>
-            <a:endParaRPr lang="en-US"/>
+            <a:endParaRPr lang="en-US">
+              <a:solidFill>
+                <a:schemeClr val="tx1"/>
+              </a:solidFill>
+            </a:endParaRPr>
           </a:p>
         </p:txBody>
       </p:sp>
@@ -9118,6 +9045,24 @@
           </a:fontRef>
         </p:style>
       </p:cxnSp>
+    </p:spTree>
+  </p:cSld>
+  <p:clrMapOvr>
+    <a:masterClrMapping/>
+  </p:clrMapOvr>
+</p:sld>
+</file>
+
+<file path=ppt/slides/slide4.xml><?xml version="1.0" encoding="utf-8"?>
+<p:sld xmlns:a="http://schemas.openxmlformats.org/drawingml/2006/main" xmlns:r="http://schemas.openxmlformats.org/officeDocument/2006/relationships" xmlns:p="http://schemas.openxmlformats.org/presentationml/2006/main">
+  <p:cSld>
+    <p:spTree>
+      <p:nvGrpSpPr>
+        <p:cNvPr id="1" name=""/>
+        <p:cNvGrpSpPr/>
+        <p:nvPr/>
+      </p:nvGrpSpPr>
+      <p:grpSpPr/>
     </p:spTree>
   </p:cSld>
   <p:clrMapOvr>
